--- a/MunicipalityMobilitySystemDocs/Mobility System.pptx
+++ b/MunicipalityMobilitySystemDocs/Mobility System.pptx
@@ -17,6 +17,8 @@
     <p:sldId id="265" r:id="rId11"/>
     <p:sldId id="266" r:id="rId12"/>
     <p:sldId id="267" r:id="rId13"/>
+    <p:sldId id="268" r:id="rId14"/>
+    <p:sldId id="269" r:id="rId15"/>
   </p:sldIdLst>
   <p:sldSz cx="12192000" cy="6858000"/>
   <p:notesSz cx="6858000" cy="9144000"/>
@@ -173,7 +175,7 @@
           <a:noFill/>
           <a:extLst>
             <a:ext uri="{909E8E84-426E-40dd-AFC4-6F175D3DCCD1}">
-              <a14:hiddenFill xmlns:a14="http://schemas.microsoft.com/office/drawing/2010/main" xmlns="">
+              <a14:hiddenFill xmlns="" xmlns:a14="http://schemas.microsoft.com/office/drawing/2010/main">
                 <a:solidFill>
                   <a:srgbClr val="FFFFFF"/>
                 </a:solidFill>
@@ -233,7 +235,7 @@
             </a:ln>
             <a:extLst>
               <a:ext uri="{91240B29-F687-4f45-9708-019B960494DF}">
-                <a14:hiddenLine xmlns:a14="http://schemas.microsoft.com/office/drawing/2010/main" xmlns="" w="9525">
+                <a14:hiddenLine xmlns="" xmlns:a14="http://schemas.microsoft.com/office/drawing/2010/main" w="9525">
                   <a:solidFill>
                     <a:srgbClr val="000000"/>
                   </a:solidFill>
@@ -323,7 +325,7 @@
             </a:ln>
             <a:extLst>
               <a:ext uri="{91240B29-F687-4f45-9708-019B960494DF}">
-                <a14:hiddenLine xmlns:a14="http://schemas.microsoft.com/office/drawing/2010/main" xmlns="" w="9525">
+                <a14:hiddenLine xmlns="" xmlns:a14="http://schemas.microsoft.com/office/drawing/2010/main" w="9525">
                   <a:solidFill>
                     <a:srgbClr val="000000"/>
                   </a:solidFill>
@@ -413,7 +415,7 @@
             </a:ln>
             <a:extLst>
               <a:ext uri="{91240B29-F687-4f45-9708-019B960494DF}">
-                <a14:hiddenLine xmlns:a14="http://schemas.microsoft.com/office/drawing/2010/main" xmlns="" w="9525">
+                <a14:hiddenLine xmlns="" xmlns:a14="http://schemas.microsoft.com/office/drawing/2010/main" w="9525">
                   <a:solidFill>
                     <a:srgbClr val="000000"/>
                   </a:solidFill>
@@ -447,7 +449,7 @@
             </a:ln>
             <a:extLst>
               <a:ext uri="{91240B29-F687-4f45-9708-019B960494DF}">
-                <a14:hiddenLine xmlns:a14="http://schemas.microsoft.com/office/drawing/2010/main" xmlns="" w="9525">
+                <a14:hiddenLine xmlns="" xmlns:a14="http://schemas.microsoft.com/office/drawing/2010/main" w="9525">
                   <a:solidFill>
                     <a:srgbClr val="000000"/>
                   </a:solidFill>
@@ -537,7 +539,7 @@
             </a:ln>
             <a:extLst>
               <a:ext uri="{91240B29-F687-4f45-9708-019B960494DF}">
-                <a14:hiddenLine xmlns:a14="http://schemas.microsoft.com/office/drawing/2010/main" xmlns="" w="9525">
+                <a14:hiddenLine xmlns="" xmlns:a14="http://schemas.microsoft.com/office/drawing/2010/main" w="9525">
                   <a:solidFill>
                     <a:srgbClr val="000000"/>
                   </a:solidFill>
@@ -599,7 +601,7 @@
             </a:ln>
             <a:extLst>
               <a:ext uri="{91240B29-F687-4f45-9708-019B960494DF}">
-                <a14:hiddenLine xmlns:a14="http://schemas.microsoft.com/office/drawing/2010/main" xmlns="" w="9525">
+                <a14:hiddenLine xmlns="" xmlns:a14="http://schemas.microsoft.com/office/drawing/2010/main" w="9525">
                   <a:solidFill>
                     <a:srgbClr val="000000"/>
                   </a:solidFill>
@@ -661,7 +663,7 @@
             </a:ln>
             <a:extLst>
               <a:ext uri="{91240B29-F687-4f45-9708-019B960494DF}">
-                <a14:hiddenLine xmlns:a14="http://schemas.microsoft.com/office/drawing/2010/main" xmlns="" w="9525">
+                <a14:hiddenLine xmlns="" xmlns:a14="http://schemas.microsoft.com/office/drawing/2010/main" w="9525">
                   <a:solidFill>
                     <a:srgbClr val="000000"/>
                   </a:solidFill>
@@ -751,7 +753,7 @@
             </a:ln>
             <a:extLst>
               <a:ext uri="{91240B29-F687-4f45-9708-019B960494DF}">
-                <a14:hiddenLine xmlns:a14="http://schemas.microsoft.com/office/drawing/2010/main" xmlns="" w="9525">
+                <a14:hiddenLine xmlns="" xmlns:a14="http://schemas.microsoft.com/office/drawing/2010/main" w="9525">
                   <a:solidFill>
                     <a:srgbClr val="000000"/>
                   </a:solidFill>
@@ -813,7 +815,7 @@
             </a:ln>
             <a:extLst>
               <a:ext uri="{91240B29-F687-4f45-9708-019B960494DF}">
-                <a14:hiddenLine xmlns:a14="http://schemas.microsoft.com/office/drawing/2010/main" xmlns="" w="9525">
+                <a14:hiddenLine xmlns="" xmlns:a14="http://schemas.microsoft.com/office/drawing/2010/main" w="9525">
                   <a:solidFill>
                     <a:srgbClr val="000000"/>
                   </a:solidFill>
@@ -875,7 +877,7 @@
             </a:ln>
             <a:extLst>
               <a:ext uri="{91240B29-F687-4f45-9708-019B960494DF}">
-                <a14:hiddenLine xmlns:a14="http://schemas.microsoft.com/office/drawing/2010/main" xmlns="" w="9525">
+                <a14:hiddenLine xmlns="" xmlns:a14="http://schemas.microsoft.com/office/drawing/2010/main" w="9525">
                   <a:solidFill>
                     <a:srgbClr val="000000"/>
                   </a:solidFill>
@@ -965,7 +967,7 @@
             </a:ln>
             <a:extLst>
               <a:ext uri="{91240B29-F687-4f45-9708-019B960494DF}">
-                <a14:hiddenLine xmlns:a14="http://schemas.microsoft.com/office/drawing/2010/main" xmlns="" w="9525">
+                <a14:hiddenLine xmlns="" xmlns:a14="http://schemas.microsoft.com/office/drawing/2010/main" w="9525">
                   <a:solidFill>
                     <a:srgbClr val="000000"/>
                   </a:solidFill>
@@ -1055,7 +1057,7 @@
             </a:ln>
             <a:extLst>
               <a:ext uri="{91240B29-F687-4f45-9708-019B960494DF}">
-                <a14:hiddenLine xmlns:a14="http://schemas.microsoft.com/office/drawing/2010/main" xmlns="" w="9525">
+                <a14:hiddenLine xmlns="" xmlns:a14="http://schemas.microsoft.com/office/drawing/2010/main" w="9525">
                   <a:solidFill>
                     <a:srgbClr val="000000"/>
                   </a:solidFill>
@@ -1117,7 +1119,7 @@
             </a:ln>
             <a:extLst>
               <a:ext uri="{91240B29-F687-4f45-9708-019B960494DF}">
-                <a14:hiddenLine xmlns:a14="http://schemas.microsoft.com/office/drawing/2010/main" xmlns="" w="9525">
+                <a14:hiddenLine xmlns="" xmlns:a14="http://schemas.microsoft.com/office/drawing/2010/main" w="9525">
                   <a:solidFill>
                     <a:srgbClr val="000000"/>
                   </a:solidFill>
@@ -1227,7 +1229,7 @@
             </a:ln>
             <a:extLst>
               <a:ext uri="{91240B29-F687-4f45-9708-019B960494DF}">
-                <a14:hiddenLine xmlns:a14="http://schemas.microsoft.com/office/drawing/2010/main" xmlns="" w="9525">
+                <a14:hiddenLine xmlns="" xmlns:a14="http://schemas.microsoft.com/office/drawing/2010/main" w="9525">
                   <a:solidFill>
                     <a:srgbClr val="000000"/>
                   </a:solidFill>
@@ -1289,7 +1291,7 @@
             </a:ln>
             <a:extLst>
               <a:ext uri="{91240B29-F687-4f45-9708-019B960494DF}">
-                <a14:hiddenLine xmlns:a14="http://schemas.microsoft.com/office/drawing/2010/main" xmlns="" w="9525">
+                <a14:hiddenLine xmlns="" xmlns:a14="http://schemas.microsoft.com/office/drawing/2010/main" w="9525">
                   <a:solidFill>
                     <a:srgbClr val="000000"/>
                   </a:solidFill>
@@ -1379,7 +1381,7 @@
             </a:ln>
             <a:extLst>
               <a:ext uri="{91240B29-F687-4f45-9708-019B960494DF}">
-                <a14:hiddenLine xmlns:a14="http://schemas.microsoft.com/office/drawing/2010/main" xmlns="" w="9525">
+                <a14:hiddenLine xmlns="" xmlns:a14="http://schemas.microsoft.com/office/drawing/2010/main" w="9525">
                   <a:solidFill>
                     <a:srgbClr val="000000"/>
                   </a:solidFill>
@@ -1469,7 +1471,7 @@
             </a:ln>
             <a:extLst>
               <a:ext uri="{91240B29-F687-4f45-9708-019B960494DF}">
-                <a14:hiddenLine xmlns:a14="http://schemas.microsoft.com/office/drawing/2010/main" xmlns="" w="9525">
+                <a14:hiddenLine xmlns="" xmlns:a14="http://schemas.microsoft.com/office/drawing/2010/main" w="9525">
                   <a:solidFill>
                     <a:srgbClr val="000000"/>
                   </a:solidFill>
@@ -1531,7 +1533,7 @@
             </a:ln>
             <a:extLst>
               <a:ext uri="{91240B29-F687-4f45-9708-019B960494DF}">
-                <a14:hiddenLine xmlns:a14="http://schemas.microsoft.com/office/drawing/2010/main" xmlns="" w="9525">
+                <a14:hiddenLine xmlns="" xmlns:a14="http://schemas.microsoft.com/office/drawing/2010/main" w="9525">
                   <a:solidFill>
                     <a:srgbClr val="000000"/>
                   </a:solidFill>
@@ -1621,7 +1623,7 @@
             </a:ln>
             <a:extLst>
               <a:ext uri="{91240B29-F687-4f45-9708-019B960494DF}">
-                <a14:hiddenLine xmlns:a14="http://schemas.microsoft.com/office/drawing/2010/main" xmlns="" w="9525">
+                <a14:hiddenLine xmlns="" xmlns:a14="http://schemas.microsoft.com/office/drawing/2010/main" w="9525">
                   <a:solidFill>
                     <a:srgbClr val="000000"/>
                   </a:solidFill>
@@ -1711,7 +1713,7 @@
             </a:ln>
             <a:extLst>
               <a:ext uri="{91240B29-F687-4f45-9708-019B960494DF}">
-                <a14:hiddenLine xmlns:a14="http://schemas.microsoft.com/office/drawing/2010/main" xmlns="" w="9525">
+                <a14:hiddenLine xmlns="" xmlns:a14="http://schemas.microsoft.com/office/drawing/2010/main" w="9525">
                   <a:solidFill>
                     <a:srgbClr val="000000"/>
                   </a:solidFill>
@@ -1767,7 +1769,7 @@
             </a:ln>
             <a:extLst>
               <a:ext uri="{91240B29-F687-4f45-9708-019B960494DF}">
-                <a14:hiddenLine xmlns:a14="http://schemas.microsoft.com/office/drawing/2010/main" xmlns="" w="9525">
+                <a14:hiddenLine xmlns="" xmlns:a14="http://schemas.microsoft.com/office/drawing/2010/main" w="9525">
                   <a:solidFill>
                     <a:srgbClr val="000000"/>
                   </a:solidFill>
@@ -1857,7 +1859,7 @@
             </a:ln>
             <a:extLst>
               <a:ext uri="{91240B29-F687-4f45-9708-019B960494DF}">
-                <a14:hiddenLine xmlns:a14="http://schemas.microsoft.com/office/drawing/2010/main" xmlns="" w="9525">
+                <a14:hiddenLine xmlns="" xmlns:a14="http://schemas.microsoft.com/office/drawing/2010/main" w="9525">
                   <a:solidFill>
                     <a:srgbClr val="000000"/>
                   </a:solidFill>
@@ -1913,7 +1915,7 @@
             </a:ln>
             <a:extLst>
               <a:ext uri="{91240B29-F687-4f45-9708-019B960494DF}">
-                <a14:hiddenLine xmlns:a14="http://schemas.microsoft.com/office/drawing/2010/main" xmlns="" w="9525">
+                <a14:hiddenLine xmlns="" xmlns:a14="http://schemas.microsoft.com/office/drawing/2010/main" w="9525">
                   <a:solidFill>
                     <a:srgbClr val="000000"/>
                   </a:solidFill>
@@ -2003,7 +2005,7 @@
             </a:ln>
             <a:extLst>
               <a:ext uri="{91240B29-F687-4f45-9708-019B960494DF}">
-                <a14:hiddenLine xmlns:a14="http://schemas.microsoft.com/office/drawing/2010/main" xmlns="" w="9525">
+                <a14:hiddenLine xmlns="" xmlns:a14="http://schemas.microsoft.com/office/drawing/2010/main" w="9525">
                   <a:solidFill>
                     <a:srgbClr val="000000"/>
                   </a:solidFill>
@@ -2071,7 +2073,7 @@
             </a:ln>
             <a:extLst>
               <a:ext uri="{91240B29-F687-4f45-9708-019B960494DF}">
-                <a14:hiddenLine xmlns:a14="http://schemas.microsoft.com/office/drawing/2010/main" xmlns="" w="9525">
+                <a14:hiddenLine xmlns="" xmlns:a14="http://schemas.microsoft.com/office/drawing/2010/main" w="9525">
                   <a:solidFill>
                     <a:srgbClr val="000000"/>
                   </a:solidFill>
@@ -2161,7 +2163,7 @@
             </a:ln>
             <a:extLst>
               <a:ext uri="{91240B29-F687-4f45-9708-019B960494DF}">
-                <a14:hiddenLine xmlns:a14="http://schemas.microsoft.com/office/drawing/2010/main" xmlns="" w="9525">
+                <a14:hiddenLine xmlns="" xmlns:a14="http://schemas.microsoft.com/office/drawing/2010/main" w="9525">
                   <a:solidFill>
                     <a:srgbClr val="000000"/>
                   </a:solidFill>
@@ -2229,7 +2231,7 @@
             </a:ln>
             <a:extLst>
               <a:ext uri="{91240B29-F687-4f45-9708-019B960494DF}">
-                <a14:hiddenLine xmlns:a14="http://schemas.microsoft.com/office/drawing/2010/main" xmlns="" w="9525">
+                <a14:hiddenLine xmlns="" xmlns:a14="http://schemas.microsoft.com/office/drawing/2010/main" w="9525">
                   <a:solidFill>
                     <a:srgbClr val="000000"/>
                   </a:solidFill>
@@ -2319,7 +2321,7 @@
             </a:ln>
             <a:extLst>
               <a:ext uri="{91240B29-F687-4f45-9708-019B960494DF}">
-                <a14:hiddenLine xmlns:a14="http://schemas.microsoft.com/office/drawing/2010/main" xmlns="" w="9525">
+                <a14:hiddenLine xmlns="" xmlns:a14="http://schemas.microsoft.com/office/drawing/2010/main" w="9525">
                   <a:solidFill>
                     <a:srgbClr val="000000"/>
                   </a:solidFill>
@@ -2353,7 +2355,7 @@
             </a:ln>
             <a:extLst>
               <a:ext uri="{91240B29-F687-4f45-9708-019B960494DF}">
-                <a14:hiddenLine xmlns:a14="http://schemas.microsoft.com/office/drawing/2010/main" xmlns="" w="9525">
+                <a14:hiddenLine xmlns="" xmlns:a14="http://schemas.microsoft.com/office/drawing/2010/main" w="9525">
                   <a:solidFill>
                     <a:srgbClr val="000000"/>
                   </a:solidFill>
@@ -2443,7 +2445,7 @@
             </a:ln>
             <a:extLst>
               <a:ext uri="{91240B29-F687-4f45-9708-019B960494DF}">
-                <a14:hiddenLine xmlns:a14="http://schemas.microsoft.com/office/drawing/2010/main" xmlns="" w="9525">
+                <a14:hiddenLine xmlns="" xmlns:a14="http://schemas.microsoft.com/office/drawing/2010/main" w="9525">
                   <a:solidFill>
                     <a:srgbClr val="000000"/>
                   </a:solidFill>
@@ -2505,7 +2507,7 @@
             </a:ln>
             <a:extLst>
               <a:ext uri="{91240B29-F687-4f45-9708-019B960494DF}">
-                <a14:hiddenLine xmlns:a14="http://schemas.microsoft.com/office/drawing/2010/main" xmlns="" w="9525">
+                <a14:hiddenLine xmlns="" xmlns:a14="http://schemas.microsoft.com/office/drawing/2010/main" w="9525">
                   <a:solidFill>
                     <a:srgbClr val="000000"/>
                   </a:solidFill>
@@ -2567,7 +2569,7 @@
             </a:ln>
             <a:extLst>
               <a:ext uri="{91240B29-F687-4f45-9708-019B960494DF}">
-                <a14:hiddenLine xmlns:a14="http://schemas.microsoft.com/office/drawing/2010/main" xmlns="" w="9525">
+                <a14:hiddenLine xmlns="" xmlns:a14="http://schemas.microsoft.com/office/drawing/2010/main" w="9525">
                   <a:solidFill>
                     <a:srgbClr val="000000"/>
                   </a:solidFill>
@@ -2657,7 +2659,7 @@
             </a:ln>
             <a:extLst>
               <a:ext uri="{91240B29-F687-4f45-9708-019B960494DF}">
-                <a14:hiddenLine xmlns:a14="http://schemas.microsoft.com/office/drawing/2010/main" xmlns="" w="9525">
+                <a14:hiddenLine xmlns="" xmlns:a14="http://schemas.microsoft.com/office/drawing/2010/main" w="9525">
                   <a:solidFill>
                     <a:srgbClr val="000000"/>
                   </a:solidFill>
@@ -2725,7 +2727,7 @@
             </a:ln>
             <a:extLst>
               <a:ext uri="{91240B29-F687-4f45-9708-019B960494DF}">
-                <a14:hiddenLine xmlns:a14="http://schemas.microsoft.com/office/drawing/2010/main" xmlns="" w="9525">
+                <a14:hiddenLine xmlns="" xmlns:a14="http://schemas.microsoft.com/office/drawing/2010/main" w="9525">
                   <a:solidFill>
                     <a:srgbClr val="000000"/>
                   </a:solidFill>
@@ -2787,7 +2789,7 @@
             </a:ln>
             <a:extLst>
               <a:ext uri="{91240B29-F687-4f45-9708-019B960494DF}">
-                <a14:hiddenLine xmlns:a14="http://schemas.microsoft.com/office/drawing/2010/main" xmlns="" w="9525">
+                <a14:hiddenLine xmlns="" xmlns:a14="http://schemas.microsoft.com/office/drawing/2010/main" w="9525">
                   <a:solidFill>
                     <a:srgbClr val="000000"/>
                   </a:solidFill>
@@ -2877,7 +2879,7 @@
             </a:ln>
             <a:extLst>
               <a:ext uri="{91240B29-F687-4f45-9708-019B960494DF}">
-                <a14:hiddenLine xmlns:a14="http://schemas.microsoft.com/office/drawing/2010/main" xmlns="" w="9525">
+                <a14:hiddenLine xmlns="" xmlns:a14="http://schemas.microsoft.com/office/drawing/2010/main" w="9525">
                   <a:solidFill>
                     <a:srgbClr val="000000"/>
                   </a:solidFill>
@@ -2939,7 +2941,7 @@
             </a:ln>
             <a:extLst>
               <a:ext uri="{91240B29-F687-4f45-9708-019B960494DF}">
-                <a14:hiddenLine xmlns:a14="http://schemas.microsoft.com/office/drawing/2010/main" xmlns="" w="9525">
+                <a14:hiddenLine xmlns="" xmlns:a14="http://schemas.microsoft.com/office/drawing/2010/main" w="9525">
                   <a:solidFill>
                     <a:srgbClr val="000000"/>
                   </a:solidFill>
@@ -3029,7 +3031,7 @@
             </a:ln>
             <a:extLst>
               <a:ext uri="{91240B29-F687-4f45-9708-019B960494DF}">
-                <a14:hiddenLine xmlns:a14="http://schemas.microsoft.com/office/drawing/2010/main" xmlns="" w="9525">
+                <a14:hiddenLine xmlns="" xmlns:a14="http://schemas.microsoft.com/office/drawing/2010/main" w="9525">
                   <a:solidFill>
                     <a:srgbClr val="000000"/>
                   </a:solidFill>
@@ -3091,7 +3093,7 @@
             </a:ln>
             <a:extLst>
               <a:ext uri="{91240B29-F687-4f45-9708-019B960494DF}">
-                <a14:hiddenLine xmlns:a14="http://schemas.microsoft.com/office/drawing/2010/main" xmlns="" w="9525">
+                <a14:hiddenLine xmlns="" xmlns:a14="http://schemas.microsoft.com/office/drawing/2010/main" w="9525">
                   <a:solidFill>
                     <a:srgbClr val="000000"/>
                   </a:solidFill>
@@ -3181,7 +3183,7 @@
             </a:ln>
             <a:extLst>
               <a:ext uri="{91240B29-F687-4f45-9708-019B960494DF}">
-                <a14:hiddenLine xmlns:a14="http://schemas.microsoft.com/office/drawing/2010/main" xmlns="" w="9525">
+                <a14:hiddenLine xmlns="" xmlns:a14="http://schemas.microsoft.com/office/drawing/2010/main" w="9525">
                   <a:solidFill>
                     <a:srgbClr val="000000"/>
                   </a:solidFill>
@@ -3215,7 +3217,7 @@
             </a:ln>
             <a:extLst>
               <a:ext uri="{91240B29-F687-4f45-9708-019B960494DF}">
-                <a14:hiddenLine xmlns:a14="http://schemas.microsoft.com/office/drawing/2010/main" xmlns="" w="9525">
+                <a14:hiddenLine xmlns="" xmlns:a14="http://schemas.microsoft.com/office/drawing/2010/main" w="9525">
                   <a:solidFill>
                     <a:srgbClr val="000000"/>
                   </a:solidFill>
@@ -3280,7 +3282,7 @@
             </a:ln>
             <a:extLst>
               <a:ext uri="{91240B29-F687-4f45-9708-019B960494DF}">
-                <a14:hiddenLine xmlns:a14="http://schemas.microsoft.com/office/drawing/2010/main" xmlns="" w="9525">
+                <a14:hiddenLine xmlns="" xmlns:a14="http://schemas.microsoft.com/office/drawing/2010/main" w="9525">
                   <a:solidFill>
                     <a:srgbClr val="000000"/>
                   </a:solidFill>
@@ -3370,7 +3372,7 @@
             </a:ln>
             <a:extLst>
               <a:ext uri="{91240B29-F687-4f45-9708-019B960494DF}">
-                <a14:hiddenLine xmlns:a14="http://schemas.microsoft.com/office/drawing/2010/main" xmlns="" w="9525">
+                <a14:hiddenLine xmlns="" xmlns:a14="http://schemas.microsoft.com/office/drawing/2010/main" w="9525">
                   <a:solidFill>
                     <a:srgbClr val="000000"/>
                   </a:solidFill>
@@ -3432,7 +3434,7 @@
             </a:ln>
             <a:extLst>
               <a:ext uri="{91240B29-F687-4f45-9708-019B960494DF}">
-                <a14:hiddenLine xmlns:a14="http://schemas.microsoft.com/office/drawing/2010/main" xmlns="" w="9525">
+                <a14:hiddenLine xmlns="" xmlns:a14="http://schemas.microsoft.com/office/drawing/2010/main" w="9525">
                   <a:solidFill>
                     <a:srgbClr val="000000"/>
                   </a:solidFill>
@@ -3522,7 +3524,7 @@
             </a:ln>
             <a:extLst>
               <a:ext uri="{91240B29-F687-4f45-9708-019B960494DF}">
-                <a14:hiddenLine xmlns:a14="http://schemas.microsoft.com/office/drawing/2010/main" xmlns="" w="9525">
+                <a14:hiddenLine xmlns="" xmlns:a14="http://schemas.microsoft.com/office/drawing/2010/main" w="9525">
                   <a:solidFill>
                     <a:srgbClr val="000000"/>
                   </a:solidFill>
@@ -3612,7 +3614,7 @@
             </a:ln>
             <a:extLst>
               <a:ext uri="{91240B29-F687-4f45-9708-019B960494DF}">
-                <a14:hiddenLine xmlns:a14="http://schemas.microsoft.com/office/drawing/2010/main" xmlns="" w="9525">
+                <a14:hiddenLine xmlns="" xmlns:a14="http://schemas.microsoft.com/office/drawing/2010/main" w="9525">
                   <a:solidFill>
                     <a:srgbClr val="000000"/>
                   </a:solidFill>
@@ -3677,7 +3679,7 @@
             </a:ln>
             <a:extLst>
               <a:ext uri="{91240B29-F687-4f45-9708-019B960494DF}">
-                <a14:hiddenLine xmlns:a14="http://schemas.microsoft.com/office/drawing/2010/main" xmlns="" w="9525">
+                <a14:hiddenLine xmlns="" xmlns:a14="http://schemas.microsoft.com/office/drawing/2010/main" w="9525">
                   <a:solidFill>
                     <a:srgbClr val="000000"/>
                   </a:solidFill>
@@ -3739,7 +3741,7 @@
             </a:ln>
             <a:extLst>
               <a:ext uri="{91240B29-F687-4f45-9708-019B960494DF}">
-                <a14:hiddenLine xmlns:a14="http://schemas.microsoft.com/office/drawing/2010/main" xmlns="" w="9525">
+                <a14:hiddenLine xmlns="" xmlns:a14="http://schemas.microsoft.com/office/drawing/2010/main" w="9525">
                   <a:solidFill>
                     <a:srgbClr val="000000"/>
                   </a:solidFill>
@@ -3829,7 +3831,7 @@
             </a:ln>
             <a:extLst>
               <a:ext uri="{91240B29-F687-4f45-9708-019B960494DF}">
-                <a14:hiddenLine xmlns:a14="http://schemas.microsoft.com/office/drawing/2010/main" xmlns="" w="9525">
+                <a14:hiddenLine xmlns="" xmlns:a14="http://schemas.microsoft.com/office/drawing/2010/main" w="9525">
                   <a:solidFill>
                     <a:srgbClr val="000000"/>
                   </a:solidFill>
@@ -3919,7 +3921,7 @@
             </a:ln>
             <a:extLst>
               <a:ext uri="{91240B29-F687-4f45-9708-019B960494DF}">
-                <a14:hiddenLine xmlns:a14="http://schemas.microsoft.com/office/drawing/2010/main" xmlns="" w="9525">
+                <a14:hiddenLine xmlns="" xmlns:a14="http://schemas.microsoft.com/office/drawing/2010/main" w="9525">
                   <a:solidFill>
                     <a:srgbClr val="000000"/>
                   </a:solidFill>
@@ -3981,7 +3983,7 @@
             </a:ln>
             <a:extLst>
               <a:ext uri="{91240B29-F687-4f45-9708-019B960494DF}">
-                <a14:hiddenLine xmlns:a14="http://schemas.microsoft.com/office/drawing/2010/main" xmlns="" w="9525">
+                <a14:hiddenLine xmlns="" xmlns:a14="http://schemas.microsoft.com/office/drawing/2010/main" w="9525">
                   <a:solidFill>
                     <a:srgbClr val="000000"/>
                   </a:solidFill>
@@ -4101,7 +4103,7 @@
             </a:ln>
             <a:extLst>
               <a:ext uri="{91240B29-F687-4f45-9708-019B960494DF}">
-                <a14:hiddenLine xmlns:a14="http://schemas.microsoft.com/office/drawing/2010/main" xmlns="" w="9525">
+                <a14:hiddenLine xmlns="" xmlns:a14="http://schemas.microsoft.com/office/drawing/2010/main" w="9525">
                   <a:solidFill>
                     <a:srgbClr val="000000"/>
                   </a:solidFill>
@@ -4169,7 +4171,7 @@
             </a:ln>
             <a:extLst>
               <a:ext uri="{91240B29-F687-4f45-9708-019B960494DF}">
-                <a14:hiddenLine xmlns:a14="http://schemas.microsoft.com/office/drawing/2010/main" xmlns="" w="9525">
+                <a14:hiddenLine xmlns="" xmlns:a14="http://schemas.microsoft.com/office/drawing/2010/main" w="9525">
                   <a:solidFill>
                     <a:srgbClr val="000000"/>
                   </a:solidFill>
@@ -4259,7 +4261,7 @@
             </a:ln>
             <a:extLst>
               <a:ext uri="{91240B29-F687-4f45-9708-019B960494DF}">
-                <a14:hiddenLine xmlns:a14="http://schemas.microsoft.com/office/drawing/2010/main" xmlns="" w="9525">
+                <a14:hiddenLine xmlns="" xmlns:a14="http://schemas.microsoft.com/office/drawing/2010/main" w="9525">
                   <a:solidFill>
                     <a:srgbClr val="000000"/>
                   </a:solidFill>
@@ -4399,7 +4401,7 @@
           <a:p>
             <a:fld id="{48A87A34-81AB-432B-8DAE-1953F412C126}" type="datetimeFigureOut">
               <a:rPr lang="en-US" dirty="0"/>
-              <a:t>25-Feb-23</a:t>
+              <a:t>01-Aug-23</a:t>
             </a:fld>
             <a:endParaRPr lang="en-US" dirty="0"/>
           </a:p>
@@ -4661,7 +4663,7 @@
           <a:p>
             <a:fld id="{48A87A34-81AB-432B-8DAE-1953F412C126}" type="datetimeFigureOut">
               <a:rPr lang="en-US" dirty="0"/>
-              <a:t>25-Feb-23</a:t>
+              <a:t>01-Aug-23</a:t>
             </a:fld>
             <a:endParaRPr lang="en-US" dirty="0"/>
           </a:p>
@@ -4852,7 +4854,7 @@
           <a:p>
             <a:fld id="{48A87A34-81AB-432B-8DAE-1953F412C126}" type="datetimeFigureOut">
               <a:rPr lang="en-US" dirty="0"/>
-              <a:t>25-Feb-23</a:t>
+              <a:t>01-Aug-23</a:t>
             </a:fld>
             <a:endParaRPr lang="en-US" dirty="0"/>
           </a:p>
@@ -5110,7 +5112,7 @@
           <a:p>
             <a:fld id="{48A87A34-81AB-432B-8DAE-1953F412C126}" type="datetimeFigureOut">
               <a:rPr lang="en-US" dirty="0"/>
-              <a:t>25-Feb-23</a:t>
+              <a:t>01-Aug-23</a:t>
             </a:fld>
             <a:endParaRPr lang="en-US" dirty="0"/>
           </a:p>
@@ -5539,7 +5541,7 @@
           <a:p>
             <a:fld id="{48A87A34-81AB-432B-8DAE-1953F412C126}" type="datetimeFigureOut">
               <a:rPr lang="en-US" dirty="0"/>
-              <a:t>25-Feb-23</a:t>
+              <a:t>01-Aug-23</a:t>
             </a:fld>
             <a:endParaRPr lang="en-US" dirty="0"/>
           </a:p>
@@ -6080,7 +6082,7 @@
           <a:p>
             <a:fld id="{48A87A34-81AB-432B-8DAE-1953F412C126}" type="datetimeFigureOut">
               <a:rPr lang="en-US" dirty="0"/>
-              <a:t>25-Feb-23</a:t>
+              <a:t>01-Aug-23</a:t>
             </a:fld>
             <a:endParaRPr lang="en-US" dirty="0"/>
           </a:p>
@@ -6795,7 +6797,7 @@
           <a:p>
             <a:fld id="{48A87A34-81AB-432B-8DAE-1953F412C126}" type="datetimeFigureOut">
               <a:rPr lang="en-US" dirty="0"/>
-              <a:t>25-Feb-23</a:t>
+              <a:t>01-Aug-23</a:t>
             </a:fld>
             <a:endParaRPr lang="en-US" dirty="0"/>
           </a:p>
@@ -6960,7 +6962,7 @@
           <a:p>
             <a:fld id="{48A87A34-81AB-432B-8DAE-1953F412C126}" type="datetimeFigureOut">
               <a:rPr lang="en-US" dirty="0"/>
-              <a:t>25-Feb-23</a:t>
+              <a:t>01-Aug-23</a:t>
             </a:fld>
             <a:endParaRPr lang="en-US" dirty="0"/>
           </a:p>
@@ -7135,7 +7137,7 @@
           <a:p>
             <a:fld id="{48A87A34-81AB-432B-8DAE-1953F412C126}" type="datetimeFigureOut">
               <a:rPr lang="en-US" dirty="0"/>
-              <a:t>25-Feb-23</a:t>
+              <a:t>01-Aug-23</a:t>
             </a:fld>
             <a:endParaRPr lang="en-US" dirty="0"/>
           </a:p>
@@ -7300,7 +7302,7 @@
           <a:p>
             <a:fld id="{48A87A34-81AB-432B-8DAE-1953F412C126}" type="datetimeFigureOut">
               <a:rPr lang="en-US" dirty="0"/>
-              <a:t>25-Feb-23</a:t>
+              <a:t>01-Aug-23</a:t>
             </a:fld>
             <a:endParaRPr lang="en-US" dirty="0"/>
           </a:p>
@@ -7545,7 +7547,7 @@
           <a:p>
             <a:fld id="{48A87A34-81AB-432B-8DAE-1953F412C126}" type="datetimeFigureOut">
               <a:rPr lang="en-US" dirty="0"/>
-              <a:t>25-Feb-23</a:t>
+              <a:t>01-Aug-23</a:t>
             </a:fld>
             <a:endParaRPr lang="en-US" dirty="0"/>
           </a:p>
@@ -7772,7 +7774,7 @@
           <a:p>
             <a:fld id="{48A87A34-81AB-432B-8DAE-1953F412C126}" type="datetimeFigureOut">
               <a:rPr lang="en-US" dirty="0"/>
-              <a:t>25-Feb-23</a:t>
+              <a:t>01-Aug-23</a:t>
             </a:fld>
             <a:endParaRPr lang="en-US" dirty="0"/>
           </a:p>
@@ -8148,7 +8150,7 @@
           <a:p>
             <a:fld id="{48A87A34-81AB-432B-8DAE-1953F412C126}" type="datetimeFigureOut">
               <a:rPr lang="en-US" dirty="0"/>
-              <a:t>25-Feb-23</a:t>
+              <a:t>01-Aug-23</a:t>
             </a:fld>
             <a:endParaRPr lang="en-US" dirty="0"/>
           </a:p>
@@ -8261,7 +8263,7 @@
           <a:p>
             <a:fld id="{48A87A34-81AB-432B-8DAE-1953F412C126}" type="datetimeFigureOut">
               <a:rPr lang="en-US" dirty="0"/>
-              <a:t>25-Feb-23</a:t>
+              <a:t>01-Aug-23</a:t>
             </a:fld>
             <a:endParaRPr lang="en-US" dirty="0"/>
           </a:p>
@@ -8351,7 +8353,7 @@
           <a:p>
             <a:fld id="{48A87A34-81AB-432B-8DAE-1953F412C126}" type="datetimeFigureOut">
               <a:rPr lang="en-US" dirty="0"/>
-              <a:t>25-Feb-23</a:t>
+              <a:t>01-Aug-23</a:t>
             </a:fld>
             <a:endParaRPr lang="en-US" dirty="0"/>
           </a:p>
@@ -8595,7 +8597,7 @@
           <a:p>
             <a:fld id="{48A87A34-81AB-432B-8DAE-1953F412C126}" type="datetimeFigureOut">
               <a:rPr lang="en-US" dirty="0"/>
-              <a:t>25-Feb-23</a:t>
+              <a:t>01-Aug-23</a:t>
             </a:fld>
             <a:endParaRPr lang="en-US" dirty="0"/>
           </a:p>
@@ -8870,7 +8872,7 @@
           <a:p>
             <a:fld id="{48A87A34-81AB-432B-8DAE-1953F412C126}" type="datetimeFigureOut">
               <a:rPr lang="en-US" dirty="0"/>
-              <a:t>25-Feb-23</a:t>
+              <a:t>01-Aug-23</a:t>
             </a:fld>
             <a:endParaRPr lang="en-US" dirty="0"/>
           </a:p>
@@ -8981,7 +8983,7 @@
           <a:noFill/>
           <a:extLst>
             <a:ext uri="{909E8E84-426E-40dd-AFC4-6F175D3DCCD1}">
-              <a14:hiddenFill xmlns:a14="http://schemas.microsoft.com/office/drawing/2010/main" xmlns="">
+              <a14:hiddenFill xmlns="" xmlns:a14="http://schemas.microsoft.com/office/drawing/2010/main">
                 <a:solidFill>
                   <a:srgbClr val="FFFFFF"/>
                 </a:solidFill>
@@ -9055,7 +9057,7 @@
               </a:ln>
               <a:extLst>
                 <a:ext uri="{91240B29-F687-4f45-9708-019B960494DF}">
-                  <a14:hiddenLine xmlns:a14="http://schemas.microsoft.com/office/drawing/2010/main" xmlns="" w="9525">
+                  <a14:hiddenLine xmlns="" xmlns:a14="http://schemas.microsoft.com/office/drawing/2010/main" w="9525">
                     <a:solidFill>
                       <a:srgbClr val="000000"/>
                     </a:solidFill>
@@ -9145,7 +9147,7 @@
               </a:ln>
               <a:extLst>
                 <a:ext uri="{91240B29-F687-4f45-9708-019B960494DF}">
-                  <a14:hiddenLine xmlns:a14="http://schemas.microsoft.com/office/drawing/2010/main" xmlns="" w="9525">
+                  <a14:hiddenLine xmlns="" xmlns:a14="http://schemas.microsoft.com/office/drawing/2010/main" w="9525">
                     <a:solidFill>
                       <a:srgbClr val="000000"/>
                     </a:solidFill>
@@ -9235,7 +9237,7 @@
               </a:ln>
               <a:extLst>
                 <a:ext uri="{91240B29-F687-4f45-9708-019B960494DF}">
-                  <a14:hiddenLine xmlns:a14="http://schemas.microsoft.com/office/drawing/2010/main" xmlns="" w="9525">
+                  <a14:hiddenLine xmlns="" xmlns:a14="http://schemas.microsoft.com/office/drawing/2010/main" w="9525">
                     <a:solidFill>
                       <a:srgbClr val="000000"/>
                     </a:solidFill>
@@ -9297,7 +9299,7 @@
               </a:ln>
               <a:extLst>
                 <a:ext uri="{91240B29-F687-4f45-9708-019B960494DF}">
-                  <a14:hiddenLine xmlns:a14="http://schemas.microsoft.com/office/drawing/2010/main" xmlns="" w="9525">
+                  <a14:hiddenLine xmlns="" xmlns:a14="http://schemas.microsoft.com/office/drawing/2010/main" w="9525">
                     <a:solidFill>
                       <a:srgbClr val="000000"/>
                     </a:solidFill>
@@ -9387,7 +9389,7 @@
               </a:ln>
               <a:extLst>
                 <a:ext uri="{91240B29-F687-4f45-9708-019B960494DF}">
-                  <a14:hiddenLine xmlns:a14="http://schemas.microsoft.com/office/drawing/2010/main" xmlns="" w="9525">
+                  <a14:hiddenLine xmlns="" xmlns:a14="http://schemas.microsoft.com/office/drawing/2010/main" w="9525">
                     <a:solidFill>
                       <a:srgbClr val="000000"/>
                     </a:solidFill>
@@ -9449,7 +9451,7 @@
               </a:ln>
               <a:extLst>
                 <a:ext uri="{91240B29-F687-4f45-9708-019B960494DF}">
-                  <a14:hiddenLine xmlns:a14="http://schemas.microsoft.com/office/drawing/2010/main" xmlns="" w="9525">
+                  <a14:hiddenLine xmlns="" xmlns:a14="http://schemas.microsoft.com/office/drawing/2010/main" w="9525">
                     <a:solidFill>
                       <a:srgbClr val="000000"/>
                     </a:solidFill>
@@ -9511,7 +9513,7 @@
               </a:ln>
               <a:extLst>
                 <a:ext uri="{91240B29-F687-4f45-9708-019B960494DF}">
-                  <a14:hiddenLine xmlns:a14="http://schemas.microsoft.com/office/drawing/2010/main" xmlns="" w="9525">
+                  <a14:hiddenLine xmlns="" xmlns:a14="http://schemas.microsoft.com/office/drawing/2010/main" w="9525">
                     <a:solidFill>
                       <a:srgbClr val="000000"/>
                     </a:solidFill>
@@ -9601,7 +9603,7 @@
               </a:ln>
               <a:extLst>
                 <a:ext uri="{91240B29-F687-4f45-9708-019B960494DF}">
-                  <a14:hiddenLine xmlns:a14="http://schemas.microsoft.com/office/drawing/2010/main" xmlns="" w="9525">
+                  <a14:hiddenLine xmlns="" xmlns:a14="http://schemas.microsoft.com/office/drawing/2010/main" w="9525">
                     <a:solidFill>
                       <a:srgbClr val="000000"/>
                     </a:solidFill>
@@ -9691,7 +9693,7 @@
               </a:ln>
               <a:extLst>
                 <a:ext uri="{91240B29-F687-4f45-9708-019B960494DF}">
-                  <a14:hiddenLine xmlns:a14="http://schemas.microsoft.com/office/drawing/2010/main" xmlns="" w="9525">
+                  <a14:hiddenLine xmlns="" xmlns:a14="http://schemas.microsoft.com/office/drawing/2010/main" w="9525">
                     <a:solidFill>
                       <a:srgbClr val="000000"/>
                     </a:solidFill>
@@ -9753,7 +9755,7 @@
               </a:ln>
               <a:extLst>
                 <a:ext uri="{91240B29-F687-4f45-9708-019B960494DF}">
-                  <a14:hiddenLine xmlns:a14="http://schemas.microsoft.com/office/drawing/2010/main" xmlns="" w="9525">
+                  <a14:hiddenLine xmlns="" xmlns:a14="http://schemas.microsoft.com/office/drawing/2010/main" w="9525">
                     <a:solidFill>
                       <a:srgbClr val="000000"/>
                     </a:solidFill>
@@ -9863,7 +9865,7 @@
               </a:ln>
               <a:extLst>
                 <a:ext uri="{91240B29-F687-4f45-9708-019B960494DF}">
-                  <a14:hiddenLine xmlns:a14="http://schemas.microsoft.com/office/drawing/2010/main" xmlns="" w="9525">
+                  <a14:hiddenLine xmlns="" xmlns:a14="http://schemas.microsoft.com/office/drawing/2010/main" w="9525">
                     <a:solidFill>
                       <a:srgbClr val="000000"/>
                     </a:solidFill>
@@ -9947,7 +9949,7 @@
               </a:ln>
               <a:extLst>
                 <a:ext uri="{91240B29-F687-4f45-9708-019B960494DF}">
-                  <a14:hiddenLine xmlns:a14="http://schemas.microsoft.com/office/drawing/2010/main" xmlns="" w="9525">
+                  <a14:hiddenLine xmlns="" xmlns:a14="http://schemas.microsoft.com/office/drawing/2010/main" w="9525">
                     <a:solidFill>
                       <a:srgbClr val="000000"/>
                     </a:solidFill>
@@ -10009,7 +10011,7 @@
               </a:ln>
               <a:extLst>
                 <a:ext uri="{91240B29-F687-4f45-9708-019B960494DF}">
-                  <a14:hiddenLine xmlns:a14="http://schemas.microsoft.com/office/drawing/2010/main" xmlns="" w="9525">
+                  <a14:hiddenLine xmlns="" xmlns:a14="http://schemas.microsoft.com/office/drawing/2010/main" w="9525">
                     <a:solidFill>
                       <a:srgbClr val="000000"/>
                     </a:solidFill>
@@ -10071,7 +10073,7 @@
               </a:ln>
               <a:extLst>
                 <a:ext uri="{91240B29-F687-4f45-9708-019B960494DF}">
-                  <a14:hiddenLine xmlns:a14="http://schemas.microsoft.com/office/drawing/2010/main" xmlns="" w="9525">
+                  <a14:hiddenLine xmlns="" xmlns:a14="http://schemas.microsoft.com/office/drawing/2010/main" w="9525">
                     <a:solidFill>
                       <a:srgbClr val="000000"/>
                     </a:solidFill>
@@ -10161,7 +10163,7 @@
               </a:ln>
               <a:extLst>
                 <a:ext uri="{91240B29-F687-4f45-9708-019B960494DF}">
-                  <a14:hiddenLine xmlns:a14="http://schemas.microsoft.com/office/drawing/2010/main" xmlns="" w="9525">
+                  <a14:hiddenLine xmlns="" xmlns:a14="http://schemas.microsoft.com/office/drawing/2010/main" w="9525">
                     <a:solidFill>
                       <a:srgbClr val="000000"/>
                     </a:solidFill>
@@ -10195,7 +10197,7 @@
               </a:ln>
               <a:extLst>
                 <a:ext uri="{91240B29-F687-4f45-9708-019B960494DF}">
-                  <a14:hiddenLine xmlns:a14="http://schemas.microsoft.com/office/drawing/2010/main" xmlns="" w="9525">
+                  <a14:hiddenLine xmlns="" xmlns:a14="http://schemas.microsoft.com/office/drawing/2010/main" w="9525">
                     <a:solidFill>
                       <a:srgbClr val="000000"/>
                     </a:solidFill>
@@ -10260,7 +10262,7 @@
               </a:ln>
               <a:extLst>
                 <a:ext uri="{91240B29-F687-4f45-9708-019B960494DF}">
-                  <a14:hiddenLine xmlns:a14="http://schemas.microsoft.com/office/drawing/2010/main" xmlns="" w="9525">
+                  <a14:hiddenLine xmlns="" xmlns:a14="http://schemas.microsoft.com/office/drawing/2010/main" w="9525">
                     <a:solidFill>
                       <a:srgbClr val="000000"/>
                     </a:solidFill>
@@ -10350,7 +10352,7 @@
               </a:ln>
               <a:extLst>
                 <a:ext uri="{91240B29-F687-4f45-9708-019B960494DF}">
-                  <a14:hiddenLine xmlns:a14="http://schemas.microsoft.com/office/drawing/2010/main" xmlns="" w="9525">
+                  <a14:hiddenLine xmlns="" xmlns:a14="http://schemas.microsoft.com/office/drawing/2010/main" w="9525">
                     <a:solidFill>
                       <a:srgbClr val="000000"/>
                     </a:solidFill>
@@ -10412,7 +10414,7 @@
               </a:ln>
               <a:extLst>
                 <a:ext uri="{91240B29-F687-4f45-9708-019B960494DF}">
-                  <a14:hiddenLine xmlns:a14="http://schemas.microsoft.com/office/drawing/2010/main" xmlns="" w="9525">
+                  <a14:hiddenLine xmlns="" xmlns:a14="http://schemas.microsoft.com/office/drawing/2010/main" w="9525">
                     <a:solidFill>
                       <a:srgbClr val="000000"/>
                     </a:solidFill>
@@ -10502,7 +10504,7 @@
               </a:ln>
               <a:extLst>
                 <a:ext uri="{91240B29-F687-4f45-9708-019B960494DF}">
-                  <a14:hiddenLine xmlns:a14="http://schemas.microsoft.com/office/drawing/2010/main" xmlns="" w="9525">
+                  <a14:hiddenLine xmlns="" xmlns:a14="http://schemas.microsoft.com/office/drawing/2010/main" w="9525">
                     <a:solidFill>
                       <a:srgbClr val="000000"/>
                     </a:solidFill>
@@ -10567,7 +10569,7 @@
               </a:ln>
               <a:extLst>
                 <a:ext uri="{91240B29-F687-4f45-9708-019B960494DF}">
-                  <a14:hiddenLine xmlns:a14="http://schemas.microsoft.com/office/drawing/2010/main" xmlns="" w="9525">
+                  <a14:hiddenLine xmlns="" xmlns:a14="http://schemas.microsoft.com/office/drawing/2010/main" w="9525">
                     <a:solidFill>
                       <a:srgbClr val="000000"/>
                     </a:solidFill>
@@ -10629,7 +10631,7 @@
               </a:ln>
               <a:extLst>
                 <a:ext uri="{91240B29-F687-4f45-9708-019B960494DF}">
-                  <a14:hiddenLine xmlns:a14="http://schemas.microsoft.com/office/drawing/2010/main" xmlns="" w="9525">
+                  <a14:hiddenLine xmlns="" xmlns:a14="http://schemas.microsoft.com/office/drawing/2010/main" w="9525">
                     <a:solidFill>
                       <a:srgbClr val="000000"/>
                     </a:solidFill>
@@ -10719,7 +10721,7 @@
               </a:ln>
               <a:extLst>
                 <a:ext uri="{91240B29-F687-4f45-9708-019B960494DF}">
-                  <a14:hiddenLine xmlns:a14="http://schemas.microsoft.com/office/drawing/2010/main" xmlns="" w="9525">
+                  <a14:hiddenLine xmlns="" xmlns:a14="http://schemas.microsoft.com/office/drawing/2010/main" w="9525">
                     <a:solidFill>
                       <a:srgbClr val="000000"/>
                     </a:solidFill>
@@ -10809,7 +10811,7 @@
               </a:ln>
               <a:extLst>
                 <a:ext uri="{91240B29-F687-4f45-9708-019B960494DF}">
-                  <a14:hiddenLine xmlns:a14="http://schemas.microsoft.com/office/drawing/2010/main" xmlns="" w="9525">
+                  <a14:hiddenLine xmlns="" xmlns:a14="http://schemas.microsoft.com/office/drawing/2010/main" w="9525">
                     <a:solidFill>
                       <a:srgbClr val="000000"/>
                     </a:solidFill>
@@ -10874,7 +10876,7 @@
               </a:ln>
               <a:extLst>
                 <a:ext uri="{91240B29-F687-4f45-9708-019B960494DF}">
-                  <a14:hiddenLine xmlns:a14="http://schemas.microsoft.com/office/drawing/2010/main" xmlns="" w="9525">
+                  <a14:hiddenLine xmlns="" xmlns:a14="http://schemas.microsoft.com/office/drawing/2010/main" w="9525">
                     <a:solidFill>
                       <a:srgbClr val="000000"/>
                     </a:solidFill>
@@ -10994,7 +10996,7 @@
               </a:ln>
               <a:extLst>
                 <a:ext uri="{91240B29-F687-4f45-9708-019B960494DF}">
-                  <a14:hiddenLine xmlns:a14="http://schemas.microsoft.com/office/drawing/2010/main" xmlns="" w="9525">
+                  <a14:hiddenLine xmlns="" xmlns:a14="http://schemas.microsoft.com/office/drawing/2010/main" w="9525">
                     <a:solidFill>
                       <a:srgbClr val="000000"/>
                     </a:solidFill>
@@ -11092,7 +11094,7 @@
               </a:ln>
               <a:extLst>
                 <a:ext uri="{91240B29-F687-4f45-9708-019B960494DF}">
-                  <a14:hiddenLine xmlns:a14="http://schemas.microsoft.com/office/drawing/2010/main" xmlns="" w="9525">
+                  <a14:hiddenLine xmlns="" xmlns:a14="http://schemas.microsoft.com/office/drawing/2010/main" w="9525">
                     <a:solidFill>
                       <a:srgbClr val="000000"/>
                     </a:solidFill>
@@ -11207,7 +11209,7 @@
               </a:ln>
               <a:extLst>
                 <a:ext uri="{91240B29-F687-4f45-9708-019B960494DF}">
-                  <a14:hiddenLine xmlns:a14="http://schemas.microsoft.com/office/drawing/2010/main" xmlns="" w="9525">
+                  <a14:hiddenLine xmlns="" xmlns:a14="http://schemas.microsoft.com/office/drawing/2010/main" w="9525">
                     <a:solidFill>
                       <a:srgbClr val="000000"/>
                     </a:solidFill>
@@ -11297,7 +11299,7 @@
               </a:ln>
               <a:extLst>
                 <a:ext uri="{91240B29-F687-4f45-9708-019B960494DF}">
-                  <a14:hiddenLine xmlns:a14="http://schemas.microsoft.com/office/drawing/2010/main" xmlns="" w="9525">
+                  <a14:hiddenLine xmlns="" xmlns:a14="http://schemas.microsoft.com/office/drawing/2010/main" w="9525">
                     <a:solidFill>
                       <a:srgbClr val="000000"/>
                     </a:solidFill>
@@ -11362,7 +11364,7 @@
               </a:ln>
               <a:extLst>
                 <a:ext uri="{91240B29-F687-4f45-9708-019B960494DF}">
-                  <a14:hiddenLine xmlns:a14="http://schemas.microsoft.com/office/drawing/2010/main" xmlns="" w="9525">
+                  <a14:hiddenLine xmlns="" xmlns:a14="http://schemas.microsoft.com/office/drawing/2010/main" w="9525">
                     <a:solidFill>
                       <a:srgbClr val="000000"/>
                     </a:solidFill>
@@ -11452,7 +11454,7 @@
               </a:ln>
               <a:extLst>
                 <a:ext uri="{91240B29-F687-4f45-9708-019B960494DF}">
-                  <a14:hiddenLine xmlns:a14="http://schemas.microsoft.com/office/drawing/2010/main" xmlns="" w="9525">
+                  <a14:hiddenLine xmlns="" xmlns:a14="http://schemas.microsoft.com/office/drawing/2010/main" w="9525">
                     <a:solidFill>
                       <a:srgbClr val="000000"/>
                     </a:solidFill>
@@ -11520,7 +11522,7 @@
               </a:ln>
               <a:extLst>
                 <a:ext uri="{91240B29-F687-4f45-9708-019B960494DF}">
-                  <a14:hiddenLine xmlns:a14="http://schemas.microsoft.com/office/drawing/2010/main" xmlns="" w="9525">
+                  <a14:hiddenLine xmlns="" xmlns:a14="http://schemas.microsoft.com/office/drawing/2010/main" w="9525">
                     <a:solidFill>
                       <a:srgbClr val="000000"/>
                     </a:solidFill>
@@ -11610,7 +11612,7 @@
               </a:ln>
               <a:extLst>
                 <a:ext uri="{91240B29-F687-4f45-9708-019B960494DF}">
-                  <a14:hiddenLine xmlns:a14="http://schemas.microsoft.com/office/drawing/2010/main" xmlns="" w="9525">
+                  <a14:hiddenLine xmlns="" xmlns:a14="http://schemas.microsoft.com/office/drawing/2010/main" w="9525">
                     <a:solidFill>
                       <a:srgbClr val="000000"/>
                     </a:solidFill>
@@ -11678,7 +11680,7 @@
               </a:ln>
               <a:extLst>
                 <a:ext uri="{91240B29-F687-4f45-9708-019B960494DF}">
-                  <a14:hiddenLine xmlns:a14="http://schemas.microsoft.com/office/drawing/2010/main" xmlns="" w="9525">
+                  <a14:hiddenLine xmlns="" xmlns:a14="http://schemas.microsoft.com/office/drawing/2010/main" w="9525">
                     <a:solidFill>
                       <a:srgbClr val="000000"/>
                     </a:solidFill>
@@ -11768,7 +11770,7 @@
               </a:ln>
               <a:extLst>
                 <a:ext uri="{91240B29-F687-4f45-9708-019B960494DF}">
-                  <a14:hiddenLine xmlns:a14="http://schemas.microsoft.com/office/drawing/2010/main" xmlns="" w="9525">
+                  <a14:hiddenLine xmlns="" xmlns:a14="http://schemas.microsoft.com/office/drawing/2010/main" w="9525">
                     <a:solidFill>
                       <a:srgbClr val="000000"/>
                     </a:solidFill>
@@ -11802,7 +11804,7 @@
               </a:ln>
               <a:extLst>
                 <a:ext uri="{91240B29-F687-4f45-9708-019B960494DF}">
-                  <a14:hiddenLine xmlns:a14="http://schemas.microsoft.com/office/drawing/2010/main" xmlns="" w="9525">
+                  <a14:hiddenLine xmlns="" xmlns:a14="http://schemas.microsoft.com/office/drawing/2010/main" w="9525">
                     <a:solidFill>
                       <a:srgbClr val="000000"/>
                     </a:solidFill>
@@ -11943,7 +11945,7 @@
             <a:fld id="{48A87A34-81AB-432B-8DAE-1953F412C126}" type="datetimeFigureOut">
               <a:rPr lang="en-US" dirty="0"/>
               <a:pPr/>
-              <a:t>25-Feb-23</a:t>
+              <a:t>01-Aug-23</a:t>
             </a:fld>
             <a:endParaRPr lang="en-US" dirty="0"/>
           </a:p>
@@ -12906,7 +12908,7 @@
         <p:spPr>
           <a:xfrm>
             <a:off x="1141413" y="0"/>
-            <a:ext cx="9905998" cy="554707"/>
+            <a:ext cx="9905998" cy="812800"/>
           </a:xfrm>
         </p:spPr>
         <p:txBody>
@@ -12941,15 +12943,18 @@
         </p:nvSpPr>
         <p:spPr>
           <a:xfrm>
-            <a:off x="680383" y="498372"/>
-            <a:ext cx="11511617" cy="2405173"/>
+            <a:off x="163285" y="408214"/>
+            <a:ext cx="3468913" cy="6393450"/>
           </a:xfrm>
         </p:spPr>
         <p:txBody>
           <a:bodyPr>
-            <a:normAutofit fontScale="85000" lnSpcReduction="10000"/>
+            <a:normAutofit fontScale="70000" lnSpcReduction="20000"/>
           </a:bodyPr>
           <a:lstStyle/>
+          <a:p>
+            <a:endParaRPr lang="en-US" b="1" dirty="0"/>
+          </a:p>
           <a:p>
             <a:r>
               <a:rPr lang="bg-BG" b="1" dirty="0"/>
@@ -13022,10 +13027,10 @@
       </p:sp>
       <p:pic>
         <p:nvPicPr>
-          <p:cNvPr id="8" name="Picture 7">
+          <p:cNvPr id="5" name="Picture 4">
             <a:extLst>
               <a:ext uri="{FF2B5EF4-FFF2-40B4-BE49-F238E27FC236}">
-                <a16:creationId xmlns:a16="http://schemas.microsoft.com/office/drawing/2014/main" id="{DD21CAA7-EC8F-2A1A-056E-823055E1375E}"/>
+                <a16:creationId xmlns:a16="http://schemas.microsoft.com/office/drawing/2014/main" id="{CD63BB88-D39A-A570-80F0-BD39EB2C258C}"/>
               </a:ext>
             </a:extLst>
           </p:cNvPr>
@@ -13042,8 +13047,8 @@
         </p:blipFill>
         <p:spPr>
           <a:xfrm>
-            <a:off x="1811043" y="2669657"/>
-            <a:ext cx="8911627" cy="4188343"/>
+            <a:off x="3632199" y="56337"/>
+            <a:ext cx="8545871" cy="6745328"/>
           </a:xfrm>
           <a:prstGeom prst="rect">
             <a:avLst/>
@@ -13054,6 +13059,215 @@
     <p:extLst>
       <p:ext uri="{BB962C8B-B14F-4D97-AF65-F5344CB8AC3E}">
         <p14:creationId xmlns:p14="http://schemas.microsoft.com/office/powerpoint/2010/main" val="2631818329"/>
+      </p:ext>
+    </p:extLst>
+  </p:cSld>
+  <p:clrMapOvr>
+    <a:masterClrMapping/>
+  </p:clrMapOvr>
+</p:sld>
+</file>
+
+<file path=ppt/slides/slide13.xml><?xml version="1.0" encoding="utf-8"?>
+<p:sld xmlns:a="http://schemas.openxmlformats.org/drawingml/2006/main" xmlns:r="http://schemas.openxmlformats.org/officeDocument/2006/relationships" xmlns:p="http://schemas.openxmlformats.org/presentationml/2006/main">
+  <p:cSld>
+    <p:spTree>
+      <p:nvGrpSpPr>
+        <p:cNvPr id="1" name=""/>
+        <p:cNvGrpSpPr/>
+        <p:nvPr/>
+      </p:nvGrpSpPr>
+      <p:grpSpPr>
+        <a:xfrm>
+          <a:off x="0" y="0"/>
+          <a:ext cx="0" cy="0"/>
+          <a:chOff x="0" y="0"/>
+          <a:chExt cx="0" cy="0"/>
+        </a:xfrm>
+      </p:grpSpPr>
+      <p:pic>
+        <p:nvPicPr>
+          <p:cNvPr id="5" name="Content Placeholder 4">
+            <a:extLst>
+              <a:ext uri="{FF2B5EF4-FFF2-40B4-BE49-F238E27FC236}">
+                <a16:creationId xmlns:a16="http://schemas.microsoft.com/office/drawing/2014/main" id="{CF579E4D-0311-03D7-9C81-D25117D453FE}"/>
+              </a:ext>
+            </a:extLst>
+          </p:cNvPr>
+          <p:cNvPicPr>
+            <a:picLocks noGrp="1" noChangeAspect="1"/>
+          </p:cNvPicPr>
+          <p:nvPr>
+            <p:ph idx="1"/>
+          </p:nvPr>
+        </p:nvPicPr>
+        <p:blipFill>
+          <a:blip r:embed="rId2"/>
+          <a:stretch>
+            <a:fillRect/>
+          </a:stretch>
+        </p:blipFill>
+        <p:spPr>
+          <a:xfrm>
+            <a:off x="2119086" y="0"/>
+            <a:ext cx="4044722" cy="6858000"/>
+          </a:xfrm>
+        </p:spPr>
+      </p:pic>
+      <p:pic>
+        <p:nvPicPr>
+          <p:cNvPr id="7" name="Picture 6">
+            <a:extLst>
+              <a:ext uri="{FF2B5EF4-FFF2-40B4-BE49-F238E27FC236}">
+                <a16:creationId xmlns:a16="http://schemas.microsoft.com/office/drawing/2014/main" id="{10C1DFA7-EDBF-7DBF-F18D-9C4A40F4B88B}"/>
+              </a:ext>
+            </a:extLst>
+          </p:cNvPr>
+          <p:cNvPicPr>
+            <a:picLocks noChangeAspect="1"/>
+          </p:cNvPicPr>
+          <p:nvPr/>
+        </p:nvPicPr>
+        <p:blipFill>
+          <a:blip r:embed="rId3"/>
+          <a:stretch>
+            <a:fillRect/>
+          </a:stretch>
+        </p:blipFill>
+        <p:spPr>
+          <a:xfrm>
+            <a:off x="6903357" y="2026163"/>
+            <a:ext cx="4835979" cy="2469636"/>
+          </a:xfrm>
+          <a:prstGeom prst="rect">
+            <a:avLst/>
+          </a:prstGeom>
+        </p:spPr>
+      </p:pic>
+      <p:cxnSp>
+        <p:nvCxnSpPr>
+          <p:cNvPr id="17" name="Straight Arrow Connector 16">
+            <a:extLst>
+              <a:ext uri="{FF2B5EF4-FFF2-40B4-BE49-F238E27FC236}">
+                <a16:creationId xmlns:a16="http://schemas.microsoft.com/office/drawing/2014/main" id="{8AB0B533-363D-7C01-AA20-EF6657B6EF0A}"/>
+              </a:ext>
+            </a:extLst>
+          </p:cNvPr>
+          <p:cNvCxnSpPr>
+            <a:cxnSpLocks/>
+          </p:cNvCxnSpPr>
+          <p:nvPr/>
+        </p:nvCxnSpPr>
+        <p:spPr>
+          <a:xfrm flipV="1">
+            <a:off x="5950857" y="2895600"/>
+            <a:ext cx="1681843" cy="3490686"/>
+          </a:xfrm>
+          <a:prstGeom prst="straightConnector1">
+            <a:avLst/>
+          </a:prstGeom>
+          <a:ln>
+            <a:solidFill>
+              <a:schemeClr val="bg2">
+                <a:lumMod val="60000"/>
+                <a:lumOff val="40000"/>
+              </a:schemeClr>
+            </a:solidFill>
+            <a:tailEnd type="triangle"/>
+          </a:ln>
+        </p:spPr>
+        <p:style>
+          <a:lnRef idx="1">
+            <a:schemeClr val="accent1"/>
+          </a:lnRef>
+          <a:fillRef idx="0">
+            <a:schemeClr val="accent1"/>
+          </a:fillRef>
+          <a:effectRef idx="0">
+            <a:schemeClr val="accent1"/>
+          </a:effectRef>
+          <a:fontRef idx="minor">
+            <a:schemeClr val="tx1"/>
+          </a:fontRef>
+        </p:style>
+      </p:cxnSp>
+    </p:spTree>
+    <p:extLst>
+      <p:ext uri="{BB962C8B-B14F-4D97-AF65-F5344CB8AC3E}">
+        <p14:creationId xmlns:p14="http://schemas.microsoft.com/office/powerpoint/2010/main" val="4259937630"/>
+      </p:ext>
+    </p:extLst>
+  </p:cSld>
+  <p:clrMapOvr>
+    <a:masterClrMapping/>
+  </p:clrMapOvr>
+</p:sld>
+</file>
+
+<file path=ppt/slides/slide14.xml><?xml version="1.0" encoding="utf-8"?>
+<p:sld xmlns:a="http://schemas.openxmlformats.org/drawingml/2006/main" xmlns:r="http://schemas.openxmlformats.org/officeDocument/2006/relationships" xmlns:p="http://schemas.openxmlformats.org/presentationml/2006/main">
+  <p:cSld>
+    <p:spTree>
+      <p:nvGrpSpPr>
+        <p:cNvPr id="1" name=""/>
+        <p:cNvGrpSpPr/>
+        <p:nvPr/>
+      </p:nvGrpSpPr>
+      <p:grpSpPr>
+        <a:xfrm>
+          <a:off x="0" y="0"/>
+          <a:ext cx="0" cy="0"/>
+          <a:chOff x="0" y="0"/>
+          <a:chExt cx="0" cy="0"/>
+        </a:xfrm>
+      </p:grpSpPr>
+      <p:sp>
+        <p:nvSpPr>
+          <p:cNvPr id="2" name="Title 1">
+            <a:extLst>
+              <a:ext uri="{FF2B5EF4-FFF2-40B4-BE49-F238E27FC236}">
+                <a16:creationId xmlns:a16="http://schemas.microsoft.com/office/drawing/2014/main" id="{13221990-1BBD-6A66-951F-4A2DADAF13AF}"/>
+              </a:ext>
+            </a:extLst>
+          </p:cNvPr>
+          <p:cNvSpPr>
+            <a:spLocks noGrp="1"/>
+          </p:cNvSpPr>
+          <p:nvPr>
+            <p:ph type="title"/>
+          </p:nvPr>
+        </p:nvSpPr>
+        <p:spPr>
+          <a:xfrm>
+            <a:off x="0" y="2548918"/>
+            <a:ext cx="12192000" cy="1478570"/>
+          </a:xfrm>
+        </p:spPr>
+        <p:txBody>
+          <a:bodyPr>
+            <a:normAutofit/>
+          </a:bodyPr>
+          <a:lstStyle/>
+          <a:p>
+            <a:pPr algn="ctr"/>
+            <a:r>
+              <a:rPr lang="bg-BG" sz="4000" i="0" dirty="0">
+                <a:effectLst/>
+                <a:latin typeface="Source Sans Pro" panose="020B0503030403020204" pitchFamily="34" charset="0"/>
+              </a:rPr>
+              <a:t>Благодаря за вниманието</a:t>
+            </a:r>
+            <a:endParaRPr lang="en-US" sz="4000" i="0" dirty="0">
+              <a:effectLst/>
+              <a:latin typeface="Source Sans Pro" panose="020B0503030403020204" pitchFamily="34" charset="0"/>
+            </a:endParaRPr>
+          </a:p>
+        </p:txBody>
+      </p:sp>
+    </p:spTree>
+    <p:extLst>
+      <p:ext uri="{BB962C8B-B14F-4D97-AF65-F5344CB8AC3E}">
+        <p14:creationId xmlns:p14="http://schemas.microsoft.com/office/powerpoint/2010/main" val="97650825"/>
       </p:ext>
     </p:extLst>
   </p:cSld>

--- a/MunicipalityMobilitySystemDocs/Mobility System.pptx
+++ b/MunicipalityMobilitySystemDocs/Mobility System.pptx
@@ -175,7 +175,7 @@
           <a:noFill/>
           <a:extLst>
             <a:ext uri="{909E8E84-426E-40dd-AFC4-6F175D3DCCD1}">
-              <a14:hiddenFill xmlns="" xmlns:a14="http://schemas.microsoft.com/office/drawing/2010/main">
+              <a14:hiddenFill xmlns:a14="http://schemas.microsoft.com/office/drawing/2010/main" xmlns="">
                 <a:solidFill>
                   <a:srgbClr val="FFFFFF"/>
                 </a:solidFill>
@@ -235,7 +235,7 @@
             </a:ln>
             <a:extLst>
               <a:ext uri="{91240B29-F687-4f45-9708-019B960494DF}">
-                <a14:hiddenLine xmlns="" xmlns:a14="http://schemas.microsoft.com/office/drawing/2010/main" w="9525">
+                <a14:hiddenLine xmlns:a14="http://schemas.microsoft.com/office/drawing/2010/main" xmlns="" w="9525">
                   <a:solidFill>
                     <a:srgbClr val="000000"/>
                   </a:solidFill>
@@ -325,7 +325,7 @@
             </a:ln>
             <a:extLst>
               <a:ext uri="{91240B29-F687-4f45-9708-019B960494DF}">
-                <a14:hiddenLine xmlns="" xmlns:a14="http://schemas.microsoft.com/office/drawing/2010/main" w="9525">
+                <a14:hiddenLine xmlns:a14="http://schemas.microsoft.com/office/drawing/2010/main" xmlns="" w="9525">
                   <a:solidFill>
                     <a:srgbClr val="000000"/>
                   </a:solidFill>
@@ -415,7 +415,7 @@
             </a:ln>
             <a:extLst>
               <a:ext uri="{91240B29-F687-4f45-9708-019B960494DF}">
-                <a14:hiddenLine xmlns="" xmlns:a14="http://schemas.microsoft.com/office/drawing/2010/main" w="9525">
+                <a14:hiddenLine xmlns:a14="http://schemas.microsoft.com/office/drawing/2010/main" xmlns="" w="9525">
                   <a:solidFill>
                     <a:srgbClr val="000000"/>
                   </a:solidFill>
@@ -449,7 +449,7 @@
             </a:ln>
             <a:extLst>
               <a:ext uri="{91240B29-F687-4f45-9708-019B960494DF}">
-                <a14:hiddenLine xmlns="" xmlns:a14="http://schemas.microsoft.com/office/drawing/2010/main" w="9525">
+                <a14:hiddenLine xmlns:a14="http://schemas.microsoft.com/office/drawing/2010/main" xmlns="" w="9525">
                   <a:solidFill>
                     <a:srgbClr val="000000"/>
                   </a:solidFill>
@@ -539,7 +539,7 @@
             </a:ln>
             <a:extLst>
               <a:ext uri="{91240B29-F687-4f45-9708-019B960494DF}">
-                <a14:hiddenLine xmlns="" xmlns:a14="http://schemas.microsoft.com/office/drawing/2010/main" w="9525">
+                <a14:hiddenLine xmlns:a14="http://schemas.microsoft.com/office/drawing/2010/main" xmlns="" w="9525">
                   <a:solidFill>
                     <a:srgbClr val="000000"/>
                   </a:solidFill>
@@ -601,7 +601,7 @@
             </a:ln>
             <a:extLst>
               <a:ext uri="{91240B29-F687-4f45-9708-019B960494DF}">
-                <a14:hiddenLine xmlns="" xmlns:a14="http://schemas.microsoft.com/office/drawing/2010/main" w="9525">
+                <a14:hiddenLine xmlns:a14="http://schemas.microsoft.com/office/drawing/2010/main" xmlns="" w="9525">
                   <a:solidFill>
                     <a:srgbClr val="000000"/>
                   </a:solidFill>
@@ -663,7 +663,7 @@
             </a:ln>
             <a:extLst>
               <a:ext uri="{91240B29-F687-4f45-9708-019B960494DF}">
-                <a14:hiddenLine xmlns="" xmlns:a14="http://schemas.microsoft.com/office/drawing/2010/main" w="9525">
+                <a14:hiddenLine xmlns:a14="http://schemas.microsoft.com/office/drawing/2010/main" xmlns="" w="9525">
                   <a:solidFill>
                     <a:srgbClr val="000000"/>
                   </a:solidFill>
@@ -753,7 +753,7 @@
             </a:ln>
             <a:extLst>
               <a:ext uri="{91240B29-F687-4f45-9708-019B960494DF}">
-                <a14:hiddenLine xmlns="" xmlns:a14="http://schemas.microsoft.com/office/drawing/2010/main" w="9525">
+                <a14:hiddenLine xmlns:a14="http://schemas.microsoft.com/office/drawing/2010/main" xmlns="" w="9525">
                   <a:solidFill>
                     <a:srgbClr val="000000"/>
                   </a:solidFill>
@@ -815,7 +815,7 @@
             </a:ln>
             <a:extLst>
               <a:ext uri="{91240B29-F687-4f45-9708-019B960494DF}">
-                <a14:hiddenLine xmlns="" xmlns:a14="http://schemas.microsoft.com/office/drawing/2010/main" w="9525">
+                <a14:hiddenLine xmlns:a14="http://schemas.microsoft.com/office/drawing/2010/main" xmlns="" w="9525">
                   <a:solidFill>
                     <a:srgbClr val="000000"/>
                   </a:solidFill>
@@ -877,7 +877,7 @@
             </a:ln>
             <a:extLst>
               <a:ext uri="{91240B29-F687-4f45-9708-019B960494DF}">
-                <a14:hiddenLine xmlns="" xmlns:a14="http://schemas.microsoft.com/office/drawing/2010/main" w="9525">
+                <a14:hiddenLine xmlns:a14="http://schemas.microsoft.com/office/drawing/2010/main" xmlns="" w="9525">
                   <a:solidFill>
                     <a:srgbClr val="000000"/>
                   </a:solidFill>
@@ -967,7 +967,7 @@
             </a:ln>
             <a:extLst>
               <a:ext uri="{91240B29-F687-4f45-9708-019B960494DF}">
-                <a14:hiddenLine xmlns="" xmlns:a14="http://schemas.microsoft.com/office/drawing/2010/main" w="9525">
+                <a14:hiddenLine xmlns:a14="http://schemas.microsoft.com/office/drawing/2010/main" xmlns="" w="9525">
                   <a:solidFill>
                     <a:srgbClr val="000000"/>
                   </a:solidFill>
@@ -1057,7 +1057,7 @@
             </a:ln>
             <a:extLst>
               <a:ext uri="{91240B29-F687-4f45-9708-019B960494DF}">
-                <a14:hiddenLine xmlns="" xmlns:a14="http://schemas.microsoft.com/office/drawing/2010/main" w="9525">
+                <a14:hiddenLine xmlns:a14="http://schemas.microsoft.com/office/drawing/2010/main" xmlns="" w="9525">
                   <a:solidFill>
                     <a:srgbClr val="000000"/>
                   </a:solidFill>
@@ -1119,7 +1119,7 @@
             </a:ln>
             <a:extLst>
               <a:ext uri="{91240B29-F687-4f45-9708-019B960494DF}">
-                <a14:hiddenLine xmlns="" xmlns:a14="http://schemas.microsoft.com/office/drawing/2010/main" w="9525">
+                <a14:hiddenLine xmlns:a14="http://schemas.microsoft.com/office/drawing/2010/main" xmlns="" w="9525">
                   <a:solidFill>
                     <a:srgbClr val="000000"/>
                   </a:solidFill>
@@ -1229,7 +1229,7 @@
             </a:ln>
             <a:extLst>
               <a:ext uri="{91240B29-F687-4f45-9708-019B960494DF}">
-                <a14:hiddenLine xmlns="" xmlns:a14="http://schemas.microsoft.com/office/drawing/2010/main" w="9525">
+                <a14:hiddenLine xmlns:a14="http://schemas.microsoft.com/office/drawing/2010/main" xmlns="" w="9525">
                   <a:solidFill>
                     <a:srgbClr val="000000"/>
                   </a:solidFill>
@@ -1291,7 +1291,7 @@
             </a:ln>
             <a:extLst>
               <a:ext uri="{91240B29-F687-4f45-9708-019B960494DF}">
-                <a14:hiddenLine xmlns="" xmlns:a14="http://schemas.microsoft.com/office/drawing/2010/main" w="9525">
+                <a14:hiddenLine xmlns:a14="http://schemas.microsoft.com/office/drawing/2010/main" xmlns="" w="9525">
                   <a:solidFill>
                     <a:srgbClr val="000000"/>
                   </a:solidFill>
@@ -1381,7 +1381,7 @@
             </a:ln>
             <a:extLst>
               <a:ext uri="{91240B29-F687-4f45-9708-019B960494DF}">
-                <a14:hiddenLine xmlns="" xmlns:a14="http://schemas.microsoft.com/office/drawing/2010/main" w="9525">
+                <a14:hiddenLine xmlns:a14="http://schemas.microsoft.com/office/drawing/2010/main" xmlns="" w="9525">
                   <a:solidFill>
                     <a:srgbClr val="000000"/>
                   </a:solidFill>
@@ -1471,7 +1471,7 @@
             </a:ln>
             <a:extLst>
               <a:ext uri="{91240B29-F687-4f45-9708-019B960494DF}">
-                <a14:hiddenLine xmlns="" xmlns:a14="http://schemas.microsoft.com/office/drawing/2010/main" w="9525">
+                <a14:hiddenLine xmlns:a14="http://schemas.microsoft.com/office/drawing/2010/main" xmlns="" w="9525">
                   <a:solidFill>
                     <a:srgbClr val="000000"/>
                   </a:solidFill>
@@ -1533,7 +1533,7 @@
             </a:ln>
             <a:extLst>
               <a:ext uri="{91240B29-F687-4f45-9708-019B960494DF}">
-                <a14:hiddenLine xmlns="" xmlns:a14="http://schemas.microsoft.com/office/drawing/2010/main" w="9525">
+                <a14:hiddenLine xmlns:a14="http://schemas.microsoft.com/office/drawing/2010/main" xmlns="" w="9525">
                   <a:solidFill>
                     <a:srgbClr val="000000"/>
                   </a:solidFill>
@@ -1623,7 +1623,7 @@
             </a:ln>
             <a:extLst>
               <a:ext uri="{91240B29-F687-4f45-9708-019B960494DF}">
-                <a14:hiddenLine xmlns="" xmlns:a14="http://schemas.microsoft.com/office/drawing/2010/main" w="9525">
+                <a14:hiddenLine xmlns:a14="http://schemas.microsoft.com/office/drawing/2010/main" xmlns="" w="9525">
                   <a:solidFill>
                     <a:srgbClr val="000000"/>
                   </a:solidFill>
@@ -1713,7 +1713,7 @@
             </a:ln>
             <a:extLst>
               <a:ext uri="{91240B29-F687-4f45-9708-019B960494DF}">
-                <a14:hiddenLine xmlns="" xmlns:a14="http://schemas.microsoft.com/office/drawing/2010/main" w="9525">
+                <a14:hiddenLine xmlns:a14="http://schemas.microsoft.com/office/drawing/2010/main" xmlns="" w="9525">
                   <a:solidFill>
                     <a:srgbClr val="000000"/>
                   </a:solidFill>
@@ -1769,7 +1769,7 @@
             </a:ln>
             <a:extLst>
               <a:ext uri="{91240B29-F687-4f45-9708-019B960494DF}">
-                <a14:hiddenLine xmlns="" xmlns:a14="http://schemas.microsoft.com/office/drawing/2010/main" w="9525">
+                <a14:hiddenLine xmlns:a14="http://schemas.microsoft.com/office/drawing/2010/main" xmlns="" w="9525">
                   <a:solidFill>
                     <a:srgbClr val="000000"/>
                   </a:solidFill>
@@ -1859,7 +1859,7 @@
             </a:ln>
             <a:extLst>
               <a:ext uri="{91240B29-F687-4f45-9708-019B960494DF}">
-                <a14:hiddenLine xmlns="" xmlns:a14="http://schemas.microsoft.com/office/drawing/2010/main" w="9525">
+                <a14:hiddenLine xmlns:a14="http://schemas.microsoft.com/office/drawing/2010/main" xmlns="" w="9525">
                   <a:solidFill>
                     <a:srgbClr val="000000"/>
                   </a:solidFill>
@@ -1915,7 +1915,7 @@
             </a:ln>
             <a:extLst>
               <a:ext uri="{91240B29-F687-4f45-9708-019B960494DF}">
-                <a14:hiddenLine xmlns="" xmlns:a14="http://schemas.microsoft.com/office/drawing/2010/main" w="9525">
+                <a14:hiddenLine xmlns:a14="http://schemas.microsoft.com/office/drawing/2010/main" xmlns="" w="9525">
                   <a:solidFill>
                     <a:srgbClr val="000000"/>
                   </a:solidFill>
@@ -2005,7 +2005,7 @@
             </a:ln>
             <a:extLst>
               <a:ext uri="{91240B29-F687-4f45-9708-019B960494DF}">
-                <a14:hiddenLine xmlns="" xmlns:a14="http://schemas.microsoft.com/office/drawing/2010/main" w="9525">
+                <a14:hiddenLine xmlns:a14="http://schemas.microsoft.com/office/drawing/2010/main" xmlns="" w="9525">
                   <a:solidFill>
                     <a:srgbClr val="000000"/>
                   </a:solidFill>
@@ -2073,7 +2073,7 @@
             </a:ln>
             <a:extLst>
               <a:ext uri="{91240B29-F687-4f45-9708-019B960494DF}">
-                <a14:hiddenLine xmlns="" xmlns:a14="http://schemas.microsoft.com/office/drawing/2010/main" w="9525">
+                <a14:hiddenLine xmlns:a14="http://schemas.microsoft.com/office/drawing/2010/main" xmlns="" w="9525">
                   <a:solidFill>
                     <a:srgbClr val="000000"/>
                   </a:solidFill>
@@ -2163,7 +2163,7 @@
             </a:ln>
             <a:extLst>
               <a:ext uri="{91240B29-F687-4f45-9708-019B960494DF}">
-                <a14:hiddenLine xmlns="" xmlns:a14="http://schemas.microsoft.com/office/drawing/2010/main" w="9525">
+                <a14:hiddenLine xmlns:a14="http://schemas.microsoft.com/office/drawing/2010/main" xmlns="" w="9525">
                   <a:solidFill>
                     <a:srgbClr val="000000"/>
                   </a:solidFill>
@@ -2231,7 +2231,7 @@
             </a:ln>
             <a:extLst>
               <a:ext uri="{91240B29-F687-4f45-9708-019B960494DF}">
-                <a14:hiddenLine xmlns="" xmlns:a14="http://schemas.microsoft.com/office/drawing/2010/main" w="9525">
+                <a14:hiddenLine xmlns:a14="http://schemas.microsoft.com/office/drawing/2010/main" xmlns="" w="9525">
                   <a:solidFill>
                     <a:srgbClr val="000000"/>
                   </a:solidFill>
@@ -2321,7 +2321,7 @@
             </a:ln>
             <a:extLst>
               <a:ext uri="{91240B29-F687-4f45-9708-019B960494DF}">
-                <a14:hiddenLine xmlns="" xmlns:a14="http://schemas.microsoft.com/office/drawing/2010/main" w="9525">
+                <a14:hiddenLine xmlns:a14="http://schemas.microsoft.com/office/drawing/2010/main" xmlns="" w="9525">
                   <a:solidFill>
                     <a:srgbClr val="000000"/>
                   </a:solidFill>
@@ -2355,7 +2355,7 @@
             </a:ln>
             <a:extLst>
               <a:ext uri="{91240B29-F687-4f45-9708-019B960494DF}">
-                <a14:hiddenLine xmlns="" xmlns:a14="http://schemas.microsoft.com/office/drawing/2010/main" w="9525">
+                <a14:hiddenLine xmlns:a14="http://schemas.microsoft.com/office/drawing/2010/main" xmlns="" w="9525">
                   <a:solidFill>
                     <a:srgbClr val="000000"/>
                   </a:solidFill>
@@ -2445,7 +2445,7 @@
             </a:ln>
             <a:extLst>
               <a:ext uri="{91240B29-F687-4f45-9708-019B960494DF}">
-                <a14:hiddenLine xmlns="" xmlns:a14="http://schemas.microsoft.com/office/drawing/2010/main" w="9525">
+                <a14:hiddenLine xmlns:a14="http://schemas.microsoft.com/office/drawing/2010/main" xmlns="" w="9525">
                   <a:solidFill>
                     <a:srgbClr val="000000"/>
                   </a:solidFill>
@@ -2507,7 +2507,7 @@
             </a:ln>
             <a:extLst>
               <a:ext uri="{91240B29-F687-4f45-9708-019B960494DF}">
-                <a14:hiddenLine xmlns="" xmlns:a14="http://schemas.microsoft.com/office/drawing/2010/main" w="9525">
+                <a14:hiddenLine xmlns:a14="http://schemas.microsoft.com/office/drawing/2010/main" xmlns="" w="9525">
                   <a:solidFill>
                     <a:srgbClr val="000000"/>
                   </a:solidFill>
@@ -2569,7 +2569,7 @@
             </a:ln>
             <a:extLst>
               <a:ext uri="{91240B29-F687-4f45-9708-019B960494DF}">
-                <a14:hiddenLine xmlns="" xmlns:a14="http://schemas.microsoft.com/office/drawing/2010/main" w="9525">
+                <a14:hiddenLine xmlns:a14="http://schemas.microsoft.com/office/drawing/2010/main" xmlns="" w="9525">
                   <a:solidFill>
                     <a:srgbClr val="000000"/>
                   </a:solidFill>
@@ -2659,7 +2659,7 @@
             </a:ln>
             <a:extLst>
               <a:ext uri="{91240B29-F687-4f45-9708-019B960494DF}">
-                <a14:hiddenLine xmlns="" xmlns:a14="http://schemas.microsoft.com/office/drawing/2010/main" w="9525">
+                <a14:hiddenLine xmlns:a14="http://schemas.microsoft.com/office/drawing/2010/main" xmlns="" w="9525">
                   <a:solidFill>
                     <a:srgbClr val="000000"/>
                   </a:solidFill>
@@ -2727,7 +2727,7 @@
             </a:ln>
             <a:extLst>
               <a:ext uri="{91240B29-F687-4f45-9708-019B960494DF}">
-                <a14:hiddenLine xmlns="" xmlns:a14="http://schemas.microsoft.com/office/drawing/2010/main" w="9525">
+                <a14:hiddenLine xmlns:a14="http://schemas.microsoft.com/office/drawing/2010/main" xmlns="" w="9525">
                   <a:solidFill>
                     <a:srgbClr val="000000"/>
                   </a:solidFill>
@@ -2789,7 +2789,7 @@
             </a:ln>
             <a:extLst>
               <a:ext uri="{91240B29-F687-4f45-9708-019B960494DF}">
-                <a14:hiddenLine xmlns="" xmlns:a14="http://schemas.microsoft.com/office/drawing/2010/main" w="9525">
+                <a14:hiddenLine xmlns:a14="http://schemas.microsoft.com/office/drawing/2010/main" xmlns="" w="9525">
                   <a:solidFill>
                     <a:srgbClr val="000000"/>
                   </a:solidFill>
@@ -2879,7 +2879,7 @@
             </a:ln>
             <a:extLst>
               <a:ext uri="{91240B29-F687-4f45-9708-019B960494DF}">
-                <a14:hiddenLine xmlns="" xmlns:a14="http://schemas.microsoft.com/office/drawing/2010/main" w="9525">
+                <a14:hiddenLine xmlns:a14="http://schemas.microsoft.com/office/drawing/2010/main" xmlns="" w="9525">
                   <a:solidFill>
                     <a:srgbClr val="000000"/>
                   </a:solidFill>
@@ -2941,7 +2941,7 @@
             </a:ln>
             <a:extLst>
               <a:ext uri="{91240B29-F687-4f45-9708-019B960494DF}">
-                <a14:hiddenLine xmlns="" xmlns:a14="http://schemas.microsoft.com/office/drawing/2010/main" w="9525">
+                <a14:hiddenLine xmlns:a14="http://schemas.microsoft.com/office/drawing/2010/main" xmlns="" w="9525">
                   <a:solidFill>
                     <a:srgbClr val="000000"/>
                   </a:solidFill>
@@ -3031,7 +3031,7 @@
             </a:ln>
             <a:extLst>
               <a:ext uri="{91240B29-F687-4f45-9708-019B960494DF}">
-                <a14:hiddenLine xmlns="" xmlns:a14="http://schemas.microsoft.com/office/drawing/2010/main" w="9525">
+                <a14:hiddenLine xmlns:a14="http://schemas.microsoft.com/office/drawing/2010/main" xmlns="" w="9525">
                   <a:solidFill>
                     <a:srgbClr val="000000"/>
                   </a:solidFill>
@@ -3093,7 +3093,7 @@
             </a:ln>
             <a:extLst>
               <a:ext uri="{91240B29-F687-4f45-9708-019B960494DF}">
-                <a14:hiddenLine xmlns="" xmlns:a14="http://schemas.microsoft.com/office/drawing/2010/main" w="9525">
+                <a14:hiddenLine xmlns:a14="http://schemas.microsoft.com/office/drawing/2010/main" xmlns="" w="9525">
                   <a:solidFill>
                     <a:srgbClr val="000000"/>
                   </a:solidFill>
@@ -3183,7 +3183,7 @@
             </a:ln>
             <a:extLst>
               <a:ext uri="{91240B29-F687-4f45-9708-019B960494DF}">
-                <a14:hiddenLine xmlns="" xmlns:a14="http://schemas.microsoft.com/office/drawing/2010/main" w="9525">
+                <a14:hiddenLine xmlns:a14="http://schemas.microsoft.com/office/drawing/2010/main" xmlns="" w="9525">
                   <a:solidFill>
                     <a:srgbClr val="000000"/>
                   </a:solidFill>
@@ -3217,7 +3217,7 @@
             </a:ln>
             <a:extLst>
               <a:ext uri="{91240B29-F687-4f45-9708-019B960494DF}">
-                <a14:hiddenLine xmlns="" xmlns:a14="http://schemas.microsoft.com/office/drawing/2010/main" w="9525">
+                <a14:hiddenLine xmlns:a14="http://schemas.microsoft.com/office/drawing/2010/main" xmlns="" w="9525">
                   <a:solidFill>
                     <a:srgbClr val="000000"/>
                   </a:solidFill>
@@ -3282,7 +3282,7 @@
             </a:ln>
             <a:extLst>
               <a:ext uri="{91240B29-F687-4f45-9708-019B960494DF}">
-                <a14:hiddenLine xmlns="" xmlns:a14="http://schemas.microsoft.com/office/drawing/2010/main" w="9525">
+                <a14:hiddenLine xmlns:a14="http://schemas.microsoft.com/office/drawing/2010/main" xmlns="" w="9525">
                   <a:solidFill>
                     <a:srgbClr val="000000"/>
                   </a:solidFill>
@@ -3372,7 +3372,7 @@
             </a:ln>
             <a:extLst>
               <a:ext uri="{91240B29-F687-4f45-9708-019B960494DF}">
-                <a14:hiddenLine xmlns="" xmlns:a14="http://schemas.microsoft.com/office/drawing/2010/main" w="9525">
+                <a14:hiddenLine xmlns:a14="http://schemas.microsoft.com/office/drawing/2010/main" xmlns="" w="9525">
                   <a:solidFill>
                     <a:srgbClr val="000000"/>
                   </a:solidFill>
@@ -3434,7 +3434,7 @@
             </a:ln>
             <a:extLst>
               <a:ext uri="{91240B29-F687-4f45-9708-019B960494DF}">
-                <a14:hiddenLine xmlns="" xmlns:a14="http://schemas.microsoft.com/office/drawing/2010/main" w="9525">
+                <a14:hiddenLine xmlns:a14="http://schemas.microsoft.com/office/drawing/2010/main" xmlns="" w="9525">
                   <a:solidFill>
                     <a:srgbClr val="000000"/>
                   </a:solidFill>
@@ -3524,7 +3524,7 @@
             </a:ln>
             <a:extLst>
               <a:ext uri="{91240B29-F687-4f45-9708-019B960494DF}">
-                <a14:hiddenLine xmlns="" xmlns:a14="http://schemas.microsoft.com/office/drawing/2010/main" w="9525">
+                <a14:hiddenLine xmlns:a14="http://schemas.microsoft.com/office/drawing/2010/main" xmlns="" w="9525">
                   <a:solidFill>
                     <a:srgbClr val="000000"/>
                   </a:solidFill>
@@ -3614,7 +3614,7 @@
             </a:ln>
             <a:extLst>
               <a:ext uri="{91240B29-F687-4f45-9708-019B960494DF}">
-                <a14:hiddenLine xmlns="" xmlns:a14="http://schemas.microsoft.com/office/drawing/2010/main" w="9525">
+                <a14:hiddenLine xmlns:a14="http://schemas.microsoft.com/office/drawing/2010/main" xmlns="" w="9525">
                   <a:solidFill>
                     <a:srgbClr val="000000"/>
                   </a:solidFill>
@@ -3679,7 +3679,7 @@
             </a:ln>
             <a:extLst>
               <a:ext uri="{91240B29-F687-4f45-9708-019B960494DF}">
-                <a14:hiddenLine xmlns="" xmlns:a14="http://schemas.microsoft.com/office/drawing/2010/main" w="9525">
+                <a14:hiddenLine xmlns:a14="http://schemas.microsoft.com/office/drawing/2010/main" xmlns="" w="9525">
                   <a:solidFill>
                     <a:srgbClr val="000000"/>
                   </a:solidFill>
@@ -3741,7 +3741,7 @@
             </a:ln>
             <a:extLst>
               <a:ext uri="{91240B29-F687-4f45-9708-019B960494DF}">
-                <a14:hiddenLine xmlns="" xmlns:a14="http://schemas.microsoft.com/office/drawing/2010/main" w="9525">
+                <a14:hiddenLine xmlns:a14="http://schemas.microsoft.com/office/drawing/2010/main" xmlns="" w="9525">
                   <a:solidFill>
                     <a:srgbClr val="000000"/>
                   </a:solidFill>
@@ -3831,7 +3831,7 @@
             </a:ln>
             <a:extLst>
               <a:ext uri="{91240B29-F687-4f45-9708-019B960494DF}">
-                <a14:hiddenLine xmlns="" xmlns:a14="http://schemas.microsoft.com/office/drawing/2010/main" w="9525">
+                <a14:hiddenLine xmlns:a14="http://schemas.microsoft.com/office/drawing/2010/main" xmlns="" w="9525">
                   <a:solidFill>
                     <a:srgbClr val="000000"/>
                   </a:solidFill>
@@ -3921,7 +3921,7 @@
             </a:ln>
             <a:extLst>
               <a:ext uri="{91240B29-F687-4f45-9708-019B960494DF}">
-                <a14:hiddenLine xmlns="" xmlns:a14="http://schemas.microsoft.com/office/drawing/2010/main" w="9525">
+                <a14:hiddenLine xmlns:a14="http://schemas.microsoft.com/office/drawing/2010/main" xmlns="" w="9525">
                   <a:solidFill>
                     <a:srgbClr val="000000"/>
                   </a:solidFill>
@@ -3983,7 +3983,7 @@
             </a:ln>
             <a:extLst>
               <a:ext uri="{91240B29-F687-4f45-9708-019B960494DF}">
-                <a14:hiddenLine xmlns="" xmlns:a14="http://schemas.microsoft.com/office/drawing/2010/main" w="9525">
+                <a14:hiddenLine xmlns:a14="http://schemas.microsoft.com/office/drawing/2010/main" xmlns="" w="9525">
                   <a:solidFill>
                     <a:srgbClr val="000000"/>
                   </a:solidFill>
@@ -4103,7 +4103,7 @@
             </a:ln>
             <a:extLst>
               <a:ext uri="{91240B29-F687-4f45-9708-019B960494DF}">
-                <a14:hiddenLine xmlns="" xmlns:a14="http://schemas.microsoft.com/office/drawing/2010/main" w="9525">
+                <a14:hiddenLine xmlns:a14="http://schemas.microsoft.com/office/drawing/2010/main" xmlns="" w="9525">
                   <a:solidFill>
                     <a:srgbClr val="000000"/>
                   </a:solidFill>
@@ -4171,7 +4171,7 @@
             </a:ln>
             <a:extLst>
               <a:ext uri="{91240B29-F687-4f45-9708-019B960494DF}">
-                <a14:hiddenLine xmlns="" xmlns:a14="http://schemas.microsoft.com/office/drawing/2010/main" w="9525">
+                <a14:hiddenLine xmlns:a14="http://schemas.microsoft.com/office/drawing/2010/main" xmlns="" w="9525">
                   <a:solidFill>
                     <a:srgbClr val="000000"/>
                   </a:solidFill>
@@ -4261,7 +4261,7 @@
             </a:ln>
             <a:extLst>
               <a:ext uri="{91240B29-F687-4f45-9708-019B960494DF}">
-                <a14:hiddenLine xmlns="" xmlns:a14="http://schemas.microsoft.com/office/drawing/2010/main" w="9525">
+                <a14:hiddenLine xmlns:a14="http://schemas.microsoft.com/office/drawing/2010/main" xmlns="" w="9525">
                   <a:solidFill>
                     <a:srgbClr val="000000"/>
                   </a:solidFill>
@@ -4401,7 +4401,7 @@
           <a:p>
             <a:fld id="{48A87A34-81AB-432B-8DAE-1953F412C126}" type="datetimeFigureOut">
               <a:rPr lang="en-US" dirty="0"/>
-              <a:t>01-Aug-23</a:t>
+              <a:t>16-Aug-23</a:t>
             </a:fld>
             <a:endParaRPr lang="en-US" dirty="0"/>
           </a:p>
@@ -4663,7 +4663,7 @@
           <a:p>
             <a:fld id="{48A87A34-81AB-432B-8DAE-1953F412C126}" type="datetimeFigureOut">
               <a:rPr lang="en-US" dirty="0"/>
-              <a:t>01-Aug-23</a:t>
+              <a:t>16-Aug-23</a:t>
             </a:fld>
             <a:endParaRPr lang="en-US" dirty="0"/>
           </a:p>
@@ -4854,7 +4854,7 @@
           <a:p>
             <a:fld id="{48A87A34-81AB-432B-8DAE-1953F412C126}" type="datetimeFigureOut">
               <a:rPr lang="en-US" dirty="0"/>
-              <a:t>01-Aug-23</a:t>
+              <a:t>16-Aug-23</a:t>
             </a:fld>
             <a:endParaRPr lang="en-US" dirty="0"/>
           </a:p>
@@ -5112,7 +5112,7 @@
           <a:p>
             <a:fld id="{48A87A34-81AB-432B-8DAE-1953F412C126}" type="datetimeFigureOut">
               <a:rPr lang="en-US" dirty="0"/>
-              <a:t>01-Aug-23</a:t>
+              <a:t>16-Aug-23</a:t>
             </a:fld>
             <a:endParaRPr lang="en-US" dirty="0"/>
           </a:p>
@@ -5541,7 +5541,7 @@
           <a:p>
             <a:fld id="{48A87A34-81AB-432B-8DAE-1953F412C126}" type="datetimeFigureOut">
               <a:rPr lang="en-US" dirty="0"/>
-              <a:t>01-Aug-23</a:t>
+              <a:t>16-Aug-23</a:t>
             </a:fld>
             <a:endParaRPr lang="en-US" dirty="0"/>
           </a:p>
@@ -6082,7 +6082,7 @@
           <a:p>
             <a:fld id="{48A87A34-81AB-432B-8DAE-1953F412C126}" type="datetimeFigureOut">
               <a:rPr lang="en-US" dirty="0"/>
-              <a:t>01-Aug-23</a:t>
+              <a:t>16-Aug-23</a:t>
             </a:fld>
             <a:endParaRPr lang="en-US" dirty="0"/>
           </a:p>
@@ -6797,7 +6797,7 @@
           <a:p>
             <a:fld id="{48A87A34-81AB-432B-8DAE-1953F412C126}" type="datetimeFigureOut">
               <a:rPr lang="en-US" dirty="0"/>
-              <a:t>01-Aug-23</a:t>
+              <a:t>16-Aug-23</a:t>
             </a:fld>
             <a:endParaRPr lang="en-US" dirty="0"/>
           </a:p>
@@ -6962,7 +6962,7 @@
           <a:p>
             <a:fld id="{48A87A34-81AB-432B-8DAE-1953F412C126}" type="datetimeFigureOut">
               <a:rPr lang="en-US" dirty="0"/>
-              <a:t>01-Aug-23</a:t>
+              <a:t>16-Aug-23</a:t>
             </a:fld>
             <a:endParaRPr lang="en-US" dirty="0"/>
           </a:p>
@@ -7137,7 +7137,7 @@
           <a:p>
             <a:fld id="{48A87A34-81AB-432B-8DAE-1953F412C126}" type="datetimeFigureOut">
               <a:rPr lang="en-US" dirty="0"/>
-              <a:t>01-Aug-23</a:t>
+              <a:t>16-Aug-23</a:t>
             </a:fld>
             <a:endParaRPr lang="en-US" dirty="0"/>
           </a:p>
@@ -7302,7 +7302,7 @@
           <a:p>
             <a:fld id="{48A87A34-81AB-432B-8DAE-1953F412C126}" type="datetimeFigureOut">
               <a:rPr lang="en-US" dirty="0"/>
-              <a:t>01-Aug-23</a:t>
+              <a:t>16-Aug-23</a:t>
             </a:fld>
             <a:endParaRPr lang="en-US" dirty="0"/>
           </a:p>
@@ -7547,7 +7547,7 @@
           <a:p>
             <a:fld id="{48A87A34-81AB-432B-8DAE-1953F412C126}" type="datetimeFigureOut">
               <a:rPr lang="en-US" dirty="0"/>
-              <a:t>01-Aug-23</a:t>
+              <a:t>16-Aug-23</a:t>
             </a:fld>
             <a:endParaRPr lang="en-US" dirty="0"/>
           </a:p>
@@ -7774,7 +7774,7 @@
           <a:p>
             <a:fld id="{48A87A34-81AB-432B-8DAE-1953F412C126}" type="datetimeFigureOut">
               <a:rPr lang="en-US" dirty="0"/>
-              <a:t>01-Aug-23</a:t>
+              <a:t>16-Aug-23</a:t>
             </a:fld>
             <a:endParaRPr lang="en-US" dirty="0"/>
           </a:p>
@@ -8150,7 +8150,7 @@
           <a:p>
             <a:fld id="{48A87A34-81AB-432B-8DAE-1953F412C126}" type="datetimeFigureOut">
               <a:rPr lang="en-US" dirty="0"/>
-              <a:t>01-Aug-23</a:t>
+              <a:t>16-Aug-23</a:t>
             </a:fld>
             <a:endParaRPr lang="en-US" dirty="0"/>
           </a:p>
@@ -8263,7 +8263,7 @@
           <a:p>
             <a:fld id="{48A87A34-81AB-432B-8DAE-1953F412C126}" type="datetimeFigureOut">
               <a:rPr lang="en-US" dirty="0"/>
-              <a:t>01-Aug-23</a:t>
+              <a:t>16-Aug-23</a:t>
             </a:fld>
             <a:endParaRPr lang="en-US" dirty="0"/>
           </a:p>
@@ -8353,7 +8353,7 @@
           <a:p>
             <a:fld id="{48A87A34-81AB-432B-8DAE-1953F412C126}" type="datetimeFigureOut">
               <a:rPr lang="en-US" dirty="0"/>
-              <a:t>01-Aug-23</a:t>
+              <a:t>16-Aug-23</a:t>
             </a:fld>
             <a:endParaRPr lang="en-US" dirty="0"/>
           </a:p>
@@ -8597,7 +8597,7 @@
           <a:p>
             <a:fld id="{48A87A34-81AB-432B-8DAE-1953F412C126}" type="datetimeFigureOut">
               <a:rPr lang="en-US" dirty="0"/>
-              <a:t>01-Aug-23</a:t>
+              <a:t>16-Aug-23</a:t>
             </a:fld>
             <a:endParaRPr lang="en-US" dirty="0"/>
           </a:p>
@@ -8872,7 +8872,7 @@
           <a:p>
             <a:fld id="{48A87A34-81AB-432B-8DAE-1953F412C126}" type="datetimeFigureOut">
               <a:rPr lang="en-US" dirty="0"/>
-              <a:t>01-Aug-23</a:t>
+              <a:t>16-Aug-23</a:t>
             </a:fld>
             <a:endParaRPr lang="en-US" dirty="0"/>
           </a:p>
@@ -8983,7 +8983,7 @@
           <a:noFill/>
           <a:extLst>
             <a:ext uri="{909E8E84-426E-40dd-AFC4-6F175D3DCCD1}">
-              <a14:hiddenFill xmlns="" xmlns:a14="http://schemas.microsoft.com/office/drawing/2010/main">
+              <a14:hiddenFill xmlns:a14="http://schemas.microsoft.com/office/drawing/2010/main" xmlns="">
                 <a:solidFill>
                   <a:srgbClr val="FFFFFF"/>
                 </a:solidFill>
@@ -9057,7 +9057,7 @@
               </a:ln>
               <a:extLst>
                 <a:ext uri="{91240B29-F687-4f45-9708-019B960494DF}">
-                  <a14:hiddenLine xmlns="" xmlns:a14="http://schemas.microsoft.com/office/drawing/2010/main" w="9525">
+                  <a14:hiddenLine xmlns:a14="http://schemas.microsoft.com/office/drawing/2010/main" xmlns="" w="9525">
                     <a:solidFill>
                       <a:srgbClr val="000000"/>
                     </a:solidFill>
@@ -9147,7 +9147,7 @@
               </a:ln>
               <a:extLst>
                 <a:ext uri="{91240B29-F687-4f45-9708-019B960494DF}">
-                  <a14:hiddenLine xmlns="" xmlns:a14="http://schemas.microsoft.com/office/drawing/2010/main" w="9525">
+                  <a14:hiddenLine xmlns:a14="http://schemas.microsoft.com/office/drawing/2010/main" xmlns="" w="9525">
                     <a:solidFill>
                       <a:srgbClr val="000000"/>
                     </a:solidFill>
@@ -9237,7 +9237,7 @@
               </a:ln>
               <a:extLst>
                 <a:ext uri="{91240B29-F687-4f45-9708-019B960494DF}">
-                  <a14:hiddenLine xmlns="" xmlns:a14="http://schemas.microsoft.com/office/drawing/2010/main" w="9525">
+                  <a14:hiddenLine xmlns:a14="http://schemas.microsoft.com/office/drawing/2010/main" xmlns="" w="9525">
                     <a:solidFill>
                       <a:srgbClr val="000000"/>
                     </a:solidFill>
@@ -9299,7 +9299,7 @@
               </a:ln>
               <a:extLst>
                 <a:ext uri="{91240B29-F687-4f45-9708-019B960494DF}">
-                  <a14:hiddenLine xmlns="" xmlns:a14="http://schemas.microsoft.com/office/drawing/2010/main" w="9525">
+                  <a14:hiddenLine xmlns:a14="http://schemas.microsoft.com/office/drawing/2010/main" xmlns="" w="9525">
                     <a:solidFill>
                       <a:srgbClr val="000000"/>
                     </a:solidFill>
@@ -9389,7 +9389,7 @@
               </a:ln>
               <a:extLst>
                 <a:ext uri="{91240B29-F687-4f45-9708-019B960494DF}">
-                  <a14:hiddenLine xmlns="" xmlns:a14="http://schemas.microsoft.com/office/drawing/2010/main" w="9525">
+                  <a14:hiddenLine xmlns:a14="http://schemas.microsoft.com/office/drawing/2010/main" xmlns="" w="9525">
                     <a:solidFill>
                       <a:srgbClr val="000000"/>
                     </a:solidFill>
@@ -9451,7 +9451,7 @@
               </a:ln>
               <a:extLst>
                 <a:ext uri="{91240B29-F687-4f45-9708-019B960494DF}">
-                  <a14:hiddenLine xmlns="" xmlns:a14="http://schemas.microsoft.com/office/drawing/2010/main" w="9525">
+                  <a14:hiddenLine xmlns:a14="http://schemas.microsoft.com/office/drawing/2010/main" xmlns="" w="9525">
                     <a:solidFill>
                       <a:srgbClr val="000000"/>
                     </a:solidFill>
@@ -9513,7 +9513,7 @@
               </a:ln>
               <a:extLst>
                 <a:ext uri="{91240B29-F687-4f45-9708-019B960494DF}">
-                  <a14:hiddenLine xmlns="" xmlns:a14="http://schemas.microsoft.com/office/drawing/2010/main" w="9525">
+                  <a14:hiddenLine xmlns:a14="http://schemas.microsoft.com/office/drawing/2010/main" xmlns="" w="9525">
                     <a:solidFill>
                       <a:srgbClr val="000000"/>
                     </a:solidFill>
@@ -9603,7 +9603,7 @@
               </a:ln>
               <a:extLst>
                 <a:ext uri="{91240B29-F687-4f45-9708-019B960494DF}">
-                  <a14:hiddenLine xmlns="" xmlns:a14="http://schemas.microsoft.com/office/drawing/2010/main" w="9525">
+                  <a14:hiddenLine xmlns:a14="http://schemas.microsoft.com/office/drawing/2010/main" xmlns="" w="9525">
                     <a:solidFill>
                       <a:srgbClr val="000000"/>
                     </a:solidFill>
@@ -9693,7 +9693,7 @@
               </a:ln>
               <a:extLst>
                 <a:ext uri="{91240B29-F687-4f45-9708-019B960494DF}">
-                  <a14:hiddenLine xmlns="" xmlns:a14="http://schemas.microsoft.com/office/drawing/2010/main" w="9525">
+                  <a14:hiddenLine xmlns:a14="http://schemas.microsoft.com/office/drawing/2010/main" xmlns="" w="9525">
                     <a:solidFill>
                       <a:srgbClr val="000000"/>
                     </a:solidFill>
@@ -9755,7 +9755,7 @@
               </a:ln>
               <a:extLst>
                 <a:ext uri="{91240B29-F687-4f45-9708-019B960494DF}">
-                  <a14:hiddenLine xmlns="" xmlns:a14="http://schemas.microsoft.com/office/drawing/2010/main" w="9525">
+                  <a14:hiddenLine xmlns:a14="http://schemas.microsoft.com/office/drawing/2010/main" xmlns="" w="9525">
                     <a:solidFill>
                       <a:srgbClr val="000000"/>
                     </a:solidFill>
@@ -9865,7 +9865,7 @@
               </a:ln>
               <a:extLst>
                 <a:ext uri="{91240B29-F687-4f45-9708-019B960494DF}">
-                  <a14:hiddenLine xmlns="" xmlns:a14="http://schemas.microsoft.com/office/drawing/2010/main" w="9525">
+                  <a14:hiddenLine xmlns:a14="http://schemas.microsoft.com/office/drawing/2010/main" xmlns="" w="9525">
                     <a:solidFill>
                       <a:srgbClr val="000000"/>
                     </a:solidFill>
@@ -9949,7 +9949,7 @@
               </a:ln>
               <a:extLst>
                 <a:ext uri="{91240B29-F687-4f45-9708-019B960494DF}">
-                  <a14:hiddenLine xmlns="" xmlns:a14="http://schemas.microsoft.com/office/drawing/2010/main" w="9525">
+                  <a14:hiddenLine xmlns:a14="http://schemas.microsoft.com/office/drawing/2010/main" xmlns="" w="9525">
                     <a:solidFill>
                       <a:srgbClr val="000000"/>
                     </a:solidFill>
@@ -10011,7 +10011,7 @@
               </a:ln>
               <a:extLst>
                 <a:ext uri="{91240B29-F687-4f45-9708-019B960494DF}">
-                  <a14:hiddenLine xmlns="" xmlns:a14="http://schemas.microsoft.com/office/drawing/2010/main" w="9525">
+                  <a14:hiddenLine xmlns:a14="http://schemas.microsoft.com/office/drawing/2010/main" xmlns="" w="9525">
                     <a:solidFill>
                       <a:srgbClr val="000000"/>
                     </a:solidFill>
@@ -10073,7 +10073,7 @@
               </a:ln>
               <a:extLst>
                 <a:ext uri="{91240B29-F687-4f45-9708-019B960494DF}">
-                  <a14:hiddenLine xmlns="" xmlns:a14="http://schemas.microsoft.com/office/drawing/2010/main" w="9525">
+                  <a14:hiddenLine xmlns:a14="http://schemas.microsoft.com/office/drawing/2010/main" xmlns="" w="9525">
                     <a:solidFill>
                       <a:srgbClr val="000000"/>
                     </a:solidFill>
@@ -10163,7 +10163,7 @@
               </a:ln>
               <a:extLst>
                 <a:ext uri="{91240B29-F687-4f45-9708-019B960494DF}">
-                  <a14:hiddenLine xmlns="" xmlns:a14="http://schemas.microsoft.com/office/drawing/2010/main" w="9525">
+                  <a14:hiddenLine xmlns:a14="http://schemas.microsoft.com/office/drawing/2010/main" xmlns="" w="9525">
                     <a:solidFill>
                       <a:srgbClr val="000000"/>
                     </a:solidFill>
@@ -10197,7 +10197,7 @@
               </a:ln>
               <a:extLst>
                 <a:ext uri="{91240B29-F687-4f45-9708-019B960494DF}">
-                  <a14:hiddenLine xmlns="" xmlns:a14="http://schemas.microsoft.com/office/drawing/2010/main" w="9525">
+                  <a14:hiddenLine xmlns:a14="http://schemas.microsoft.com/office/drawing/2010/main" xmlns="" w="9525">
                     <a:solidFill>
                       <a:srgbClr val="000000"/>
                     </a:solidFill>
@@ -10262,7 +10262,7 @@
               </a:ln>
               <a:extLst>
                 <a:ext uri="{91240B29-F687-4f45-9708-019B960494DF}">
-                  <a14:hiddenLine xmlns="" xmlns:a14="http://schemas.microsoft.com/office/drawing/2010/main" w="9525">
+                  <a14:hiddenLine xmlns:a14="http://schemas.microsoft.com/office/drawing/2010/main" xmlns="" w="9525">
                     <a:solidFill>
                       <a:srgbClr val="000000"/>
                     </a:solidFill>
@@ -10352,7 +10352,7 @@
               </a:ln>
               <a:extLst>
                 <a:ext uri="{91240B29-F687-4f45-9708-019B960494DF}">
-                  <a14:hiddenLine xmlns="" xmlns:a14="http://schemas.microsoft.com/office/drawing/2010/main" w="9525">
+                  <a14:hiddenLine xmlns:a14="http://schemas.microsoft.com/office/drawing/2010/main" xmlns="" w="9525">
                     <a:solidFill>
                       <a:srgbClr val="000000"/>
                     </a:solidFill>
@@ -10414,7 +10414,7 @@
               </a:ln>
               <a:extLst>
                 <a:ext uri="{91240B29-F687-4f45-9708-019B960494DF}">
-                  <a14:hiddenLine xmlns="" xmlns:a14="http://schemas.microsoft.com/office/drawing/2010/main" w="9525">
+                  <a14:hiddenLine xmlns:a14="http://schemas.microsoft.com/office/drawing/2010/main" xmlns="" w="9525">
                     <a:solidFill>
                       <a:srgbClr val="000000"/>
                     </a:solidFill>
@@ -10504,7 +10504,7 @@
               </a:ln>
               <a:extLst>
                 <a:ext uri="{91240B29-F687-4f45-9708-019B960494DF}">
-                  <a14:hiddenLine xmlns="" xmlns:a14="http://schemas.microsoft.com/office/drawing/2010/main" w="9525">
+                  <a14:hiddenLine xmlns:a14="http://schemas.microsoft.com/office/drawing/2010/main" xmlns="" w="9525">
                     <a:solidFill>
                       <a:srgbClr val="000000"/>
                     </a:solidFill>
@@ -10569,7 +10569,7 @@
               </a:ln>
               <a:extLst>
                 <a:ext uri="{91240B29-F687-4f45-9708-019B960494DF}">
-                  <a14:hiddenLine xmlns="" xmlns:a14="http://schemas.microsoft.com/office/drawing/2010/main" w="9525">
+                  <a14:hiddenLine xmlns:a14="http://schemas.microsoft.com/office/drawing/2010/main" xmlns="" w="9525">
                     <a:solidFill>
                       <a:srgbClr val="000000"/>
                     </a:solidFill>
@@ -10631,7 +10631,7 @@
               </a:ln>
               <a:extLst>
                 <a:ext uri="{91240B29-F687-4f45-9708-019B960494DF}">
-                  <a14:hiddenLine xmlns="" xmlns:a14="http://schemas.microsoft.com/office/drawing/2010/main" w="9525">
+                  <a14:hiddenLine xmlns:a14="http://schemas.microsoft.com/office/drawing/2010/main" xmlns="" w="9525">
                     <a:solidFill>
                       <a:srgbClr val="000000"/>
                     </a:solidFill>
@@ -10721,7 +10721,7 @@
               </a:ln>
               <a:extLst>
                 <a:ext uri="{91240B29-F687-4f45-9708-019B960494DF}">
-                  <a14:hiddenLine xmlns="" xmlns:a14="http://schemas.microsoft.com/office/drawing/2010/main" w="9525">
+                  <a14:hiddenLine xmlns:a14="http://schemas.microsoft.com/office/drawing/2010/main" xmlns="" w="9525">
                     <a:solidFill>
                       <a:srgbClr val="000000"/>
                     </a:solidFill>
@@ -10811,7 +10811,7 @@
               </a:ln>
               <a:extLst>
                 <a:ext uri="{91240B29-F687-4f45-9708-019B960494DF}">
-                  <a14:hiddenLine xmlns="" xmlns:a14="http://schemas.microsoft.com/office/drawing/2010/main" w="9525">
+                  <a14:hiddenLine xmlns:a14="http://schemas.microsoft.com/office/drawing/2010/main" xmlns="" w="9525">
                     <a:solidFill>
                       <a:srgbClr val="000000"/>
                     </a:solidFill>
@@ -10876,7 +10876,7 @@
               </a:ln>
               <a:extLst>
                 <a:ext uri="{91240B29-F687-4f45-9708-019B960494DF}">
-                  <a14:hiddenLine xmlns="" xmlns:a14="http://schemas.microsoft.com/office/drawing/2010/main" w="9525">
+                  <a14:hiddenLine xmlns:a14="http://schemas.microsoft.com/office/drawing/2010/main" xmlns="" w="9525">
                     <a:solidFill>
                       <a:srgbClr val="000000"/>
                     </a:solidFill>
@@ -10996,7 +10996,7 @@
               </a:ln>
               <a:extLst>
                 <a:ext uri="{91240B29-F687-4f45-9708-019B960494DF}">
-                  <a14:hiddenLine xmlns="" xmlns:a14="http://schemas.microsoft.com/office/drawing/2010/main" w="9525">
+                  <a14:hiddenLine xmlns:a14="http://schemas.microsoft.com/office/drawing/2010/main" xmlns="" w="9525">
                     <a:solidFill>
                       <a:srgbClr val="000000"/>
                     </a:solidFill>
@@ -11094,7 +11094,7 @@
               </a:ln>
               <a:extLst>
                 <a:ext uri="{91240B29-F687-4f45-9708-019B960494DF}">
-                  <a14:hiddenLine xmlns="" xmlns:a14="http://schemas.microsoft.com/office/drawing/2010/main" w="9525">
+                  <a14:hiddenLine xmlns:a14="http://schemas.microsoft.com/office/drawing/2010/main" xmlns="" w="9525">
                     <a:solidFill>
                       <a:srgbClr val="000000"/>
                     </a:solidFill>
@@ -11209,7 +11209,7 @@
               </a:ln>
               <a:extLst>
                 <a:ext uri="{91240B29-F687-4f45-9708-019B960494DF}">
-                  <a14:hiddenLine xmlns="" xmlns:a14="http://schemas.microsoft.com/office/drawing/2010/main" w="9525">
+                  <a14:hiddenLine xmlns:a14="http://schemas.microsoft.com/office/drawing/2010/main" xmlns="" w="9525">
                     <a:solidFill>
                       <a:srgbClr val="000000"/>
                     </a:solidFill>
@@ -11299,7 +11299,7 @@
               </a:ln>
               <a:extLst>
                 <a:ext uri="{91240B29-F687-4f45-9708-019B960494DF}">
-                  <a14:hiddenLine xmlns="" xmlns:a14="http://schemas.microsoft.com/office/drawing/2010/main" w="9525">
+                  <a14:hiddenLine xmlns:a14="http://schemas.microsoft.com/office/drawing/2010/main" xmlns="" w="9525">
                     <a:solidFill>
                       <a:srgbClr val="000000"/>
                     </a:solidFill>
@@ -11364,7 +11364,7 @@
               </a:ln>
               <a:extLst>
                 <a:ext uri="{91240B29-F687-4f45-9708-019B960494DF}">
-                  <a14:hiddenLine xmlns="" xmlns:a14="http://schemas.microsoft.com/office/drawing/2010/main" w="9525">
+                  <a14:hiddenLine xmlns:a14="http://schemas.microsoft.com/office/drawing/2010/main" xmlns="" w="9525">
                     <a:solidFill>
                       <a:srgbClr val="000000"/>
                     </a:solidFill>
@@ -11454,7 +11454,7 @@
               </a:ln>
               <a:extLst>
                 <a:ext uri="{91240B29-F687-4f45-9708-019B960494DF}">
-                  <a14:hiddenLine xmlns="" xmlns:a14="http://schemas.microsoft.com/office/drawing/2010/main" w="9525">
+                  <a14:hiddenLine xmlns:a14="http://schemas.microsoft.com/office/drawing/2010/main" xmlns="" w="9525">
                     <a:solidFill>
                       <a:srgbClr val="000000"/>
                     </a:solidFill>
@@ -11522,7 +11522,7 @@
               </a:ln>
               <a:extLst>
                 <a:ext uri="{91240B29-F687-4f45-9708-019B960494DF}">
-                  <a14:hiddenLine xmlns="" xmlns:a14="http://schemas.microsoft.com/office/drawing/2010/main" w="9525">
+                  <a14:hiddenLine xmlns:a14="http://schemas.microsoft.com/office/drawing/2010/main" xmlns="" w="9525">
                     <a:solidFill>
                       <a:srgbClr val="000000"/>
                     </a:solidFill>
@@ -11612,7 +11612,7 @@
               </a:ln>
               <a:extLst>
                 <a:ext uri="{91240B29-F687-4f45-9708-019B960494DF}">
-                  <a14:hiddenLine xmlns="" xmlns:a14="http://schemas.microsoft.com/office/drawing/2010/main" w="9525">
+                  <a14:hiddenLine xmlns:a14="http://schemas.microsoft.com/office/drawing/2010/main" xmlns="" w="9525">
                     <a:solidFill>
                       <a:srgbClr val="000000"/>
                     </a:solidFill>
@@ -11680,7 +11680,7 @@
               </a:ln>
               <a:extLst>
                 <a:ext uri="{91240B29-F687-4f45-9708-019B960494DF}">
-                  <a14:hiddenLine xmlns="" xmlns:a14="http://schemas.microsoft.com/office/drawing/2010/main" w="9525">
+                  <a14:hiddenLine xmlns:a14="http://schemas.microsoft.com/office/drawing/2010/main" xmlns="" w="9525">
                     <a:solidFill>
                       <a:srgbClr val="000000"/>
                     </a:solidFill>
@@ -11770,7 +11770,7 @@
               </a:ln>
               <a:extLst>
                 <a:ext uri="{91240B29-F687-4f45-9708-019B960494DF}">
-                  <a14:hiddenLine xmlns="" xmlns:a14="http://schemas.microsoft.com/office/drawing/2010/main" w="9525">
+                  <a14:hiddenLine xmlns:a14="http://schemas.microsoft.com/office/drawing/2010/main" xmlns="" w="9525">
                     <a:solidFill>
                       <a:srgbClr val="000000"/>
                     </a:solidFill>
@@ -11804,7 +11804,7 @@
               </a:ln>
               <a:extLst>
                 <a:ext uri="{91240B29-F687-4f45-9708-019B960494DF}">
-                  <a14:hiddenLine xmlns="" xmlns:a14="http://schemas.microsoft.com/office/drawing/2010/main" w="9525">
+                  <a14:hiddenLine xmlns:a14="http://schemas.microsoft.com/office/drawing/2010/main" xmlns="" w="9525">
                     <a:solidFill>
                       <a:srgbClr val="000000"/>
                     </a:solidFill>
@@ -11945,7 +11945,7 @@
             <a:fld id="{48A87A34-81AB-432B-8DAE-1953F412C126}" type="datetimeFigureOut">
               <a:rPr lang="en-US" dirty="0"/>
               <a:pPr/>
-              <a:t>01-Aug-23</a:t>
+              <a:t>16-Aug-23</a:t>
             </a:fld>
             <a:endParaRPr lang="en-US" dirty="0"/>
           </a:p>
@@ -12638,7 +12638,7 @@
         </p:spPr>
         <p:txBody>
           <a:bodyPr>
-            <a:normAutofit fontScale="92500" lnSpcReduction="20000"/>
+            <a:normAutofit fontScale="92500" lnSpcReduction="10000"/>
           </a:bodyPr>
           <a:lstStyle/>
           <a:p>
@@ -12656,7 +12656,15 @@
             </a:r>
             <a:r>
               <a:rPr lang="bg-BG" dirty="0"/>
-              <a:t>да направи поръчка на части, която остава в базата данни, като амортизационни разходи на превозното средство (опция за следващ етап на разработка) и след отстраняване на техническите проблеми </a:t>
+              <a:t>да направи поръчка на части, която остава в базата данни, като амортизационни разходи на </a:t>
+            </a:r>
+            <a:r>
+              <a:rPr lang="bg-BG"/>
+              <a:t>превозното средство </a:t>
+            </a:r>
+            <a:r>
+              <a:rPr lang="bg-BG" dirty="0"/>
+              <a:t>и след отстраняване на техническите проблеми </a:t>
             </a:r>
             <a:r>
               <a:rPr lang="bg-BG" b="1" dirty="0"/>
